--- a/Wetterstation mit datenbank und webseite.pptx
+++ b/Wetterstation mit datenbank und webseite.pptx
@@ -4,6 +4,9 @@
   <p:sldMasterIdLst>
     <p:sldMasterId id="2147483660" r:id="rId1"/>
   </p:sldMasterIdLst>
+  <p:notesMasterIdLst>
+    <p:notesMasterId r:id="rId14"/>
+  </p:notesMasterIdLst>
   <p:sldIdLst>
     <p:sldId id="256" r:id="rId2"/>
     <p:sldId id="257" r:id="rId3"/>
@@ -17,8 +20,6 @@
     <p:sldId id="265" r:id="rId11"/>
     <p:sldId id="266" r:id="rId12"/>
     <p:sldId id="267" r:id="rId13"/>
-    <p:sldId id="268" r:id="rId14"/>
-    <p:sldId id="269" r:id="rId15"/>
   </p:sldIdLst>
   <p:sldSz cx="12192000" cy="6858000"/>
   <p:notesSz cx="6858000" cy="9144000"/>
@@ -125,6 +126,1307 @@
 </p:presentation>
 </file>
 
+<file path=ppt/ink/ink1.xml><?xml version="1.0" encoding="utf-8"?>
+<inkml:ink xmlns:inkml="http://www.w3.org/2003/InkML">
+  <inkml:definitions>
+    <inkml:context xml:id="ctx0">
+      <inkml:inkSource xml:id="inkSrc0">
+        <inkml:traceFormat>
+          <inkml:channel name="X" type="integer" min="-2.14748E9" max="2.14748E9" units="cm"/>
+          <inkml:channel name="Y" type="integer" min="-2.14748E9" max="2.14748E9" units="cm"/>
+          <inkml:channel name="F" type="integer" max="32767" units="dev"/>
+        </inkml:traceFormat>
+        <inkml:channelProperties>
+          <inkml:channelProperty channel="X" name="resolution" value="1000" units="1/cm"/>
+          <inkml:channelProperty channel="Y" name="resolution" value="1000" units="1/cm"/>
+          <inkml:channelProperty channel="F" name="resolution" value="0" units="1/dev"/>
+        </inkml:channelProperties>
+      </inkml:inkSource>
+      <inkml:timestamp xml:id="ts0" timeString="2025-06-11T11:48:21.301"/>
+    </inkml:context>
+    <inkml:brush xml:id="br0">
+      <inkml:brushProperty name="width" value="0.35" units="cm"/>
+      <inkml:brushProperty name="height" value="0.35" units="cm"/>
+    </inkml:brush>
+  </inkml:definitions>
+  <inkml:trace contextRef="#ctx0" brushRef="#br0">0 52 24575,'1'-1'0,"-1"0"0,0 0 0,1 0 0,0 0 0,-1 0 0,1 0 0,-1 0 0,1 0 0,0 0 0,0 0 0,0 0 0,0 0 0,-1 1 0,1-1 0,0 0 0,0 0 0,0 1 0,1-1 0,-1 1 0,0-1 0,0 1 0,0-1 0,0 1 0,0 0 0,1 0 0,-1 0 0,2-1 0,39-3 0,-38 3 0,17 1 0,0 1 0,0 0 0,-1 2 0,27 6 0,-16-4 0,22 2 0,1-3 0,102-6 0,-47-1 0,-78 5 0,1 0 0,38 10 0,-47-8 0,22 1 0,0-2 0,85-5 0,-74-1 0,64 6 0,-52 9 0,-50-7 0,0-2 0,29 2 0,131-7 0,71 5 0,-181 8 0,-49-6 0,0-2 0,27 2 0,266-4 0,-146-2 0,-156 0 0,-1 0 0,1-1 0,0 0 0,-1 0 0,0-1 0,1-1 0,14-7 0,-14 6 0,1 1 0,-1 0 0,0 1 0,1 0 0,0 0 0,11 0 0,63 1 0,-57 2 0,0-1 0,0-1 0,39-8 0,109-16 0,-144 21 0,1 1 0,0 2 0,0 1 0,38 3 0,69-2 0,-72-12 0,-49 8 0,0 0 0,26 0 0,335 3 0,-181 2 0,-180 0 0,0 1 0,33 8 0,33 2 0,-49-11 0,-7-1 0,0 1 0,-1 2 0,37 7 0,-23-2-1365</inkml:trace>
+</inkml:ink>
+</file>
+
+<file path=ppt/notesMasters/notesMaster1.xml><?xml version="1.0" encoding="utf-8"?>
+<p:notesMaster xmlns:a="http://schemas.openxmlformats.org/drawingml/2006/main" xmlns:r="http://schemas.openxmlformats.org/officeDocument/2006/relationships" xmlns:p="http://schemas.openxmlformats.org/presentationml/2006/main">
+  <p:cSld>
+    <p:bg>
+      <p:bgRef idx="1001">
+        <a:schemeClr val="bg1"/>
+      </p:bgRef>
+    </p:bg>
+    <p:spTree>
+      <p:nvGrpSpPr>
+        <p:cNvPr id="1" name=""/>
+        <p:cNvGrpSpPr/>
+        <p:nvPr/>
+      </p:nvGrpSpPr>
+      <p:grpSpPr>
+        <a:xfrm>
+          <a:off x="0" y="0"/>
+          <a:ext cx="0" cy="0"/>
+          <a:chOff x="0" y="0"/>
+          <a:chExt cx="0" cy="0"/>
+        </a:xfrm>
+      </p:grpSpPr>
+      <p:sp>
+        <p:nvSpPr>
+          <p:cNvPr id="2" name="Kopfzeilenplatzhalter 1"/>
+          <p:cNvSpPr>
+            <a:spLocks noGrp="1"/>
+          </p:cNvSpPr>
+          <p:nvPr>
+            <p:ph type="hdr" sz="quarter"/>
+          </p:nvPr>
+        </p:nvSpPr>
+        <p:spPr>
+          <a:xfrm>
+            <a:off x="0" y="0"/>
+            <a:ext cx="2971800" cy="458788"/>
+          </a:xfrm>
+          <a:prstGeom prst="rect">
+            <a:avLst/>
+          </a:prstGeom>
+        </p:spPr>
+        <p:txBody>
+          <a:bodyPr vert="horz" lIns="91440" tIns="45720" rIns="91440" bIns="45720" rtlCol="0"/>
+          <a:lstStyle>
+            <a:lvl1pPr algn="l">
+              <a:defRPr sz="1200"/>
+            </a:lvl1pPr>
+          </a:lstStyle>
+          <a:p>
+            <a:endParaRPr lang="de-DE"/>
+          </a:p>
+        </p:txBody>
+      </p:sp>
+      <p:sp>
+        <p:nvSpPr>
+          <p:cNvPr id="3" name="Datumsplatzhalter 2"/>
+          <p:cNvSpPr>
+            <a:spLocks noGrp="1"/>
+          </p:cNvSpPr>
+          <p:nvPr>
+            <p:ph type="dt" idx="1"/>
+          </p:nvPr>
+        </p:nvSpPr>
+        <p:spPr>
+          <a:xfrm>
+            <a:off x="3884613" y="0"/>
+            <a:ext cx="2971800" cy="458788"/>
+          </a:xfrm>
+          <a:prstGeom prst="rect">
+            <a:avLst/>
+          </a:prstGeom>
+        </p:spPr>
+        <p:txBody>
+          <a:bodyPr vert="horz" lIns="91440" tIns="45720" rIns="91440" bIns="45720" rtlCol="0"/>
+          <a:lstStyle>
+            <a:lvl1pPr algn="r">
+              <a:defRPr sz="1200"/>
+            </a:lvl1pPr>
+          </a:lstStyle>
+          <a:p>
+            <a:fld id="{1EF1F30D-1B09-4C08-85BA-13D65085D807}" type="datetimeFigureOut">
+              <a:rPr lang="de-DE" smtClean="0"/>
+              <a:t>12.06.2025</a:t>
+            </a:fld>
+            <a:endParaRPr lang="de-DE"/>
+          </a:p>
+        </p:txBody>
+      </p:sp>
+      <p:sp>
+        <p:nvSpPr>
+          <p:cNvPr id="4" name="Folienbildplatzhalter 3"/>
+          <p:cNvSpPr>
+            <a:spLocks noGrp="1" noRot="1" noChangeAspect="1"/>
+          </p:cNvSpPr>
+          <p:nvPr>
+            <p:ph type="sldImg" idx="2"/>
+          </p:nvPr>
+        </p:nvSpPr>
+        <p:spPr>
+          <a:xfrm>
+            <a:off x="685800" y="1143000"/>
+            <a:ext cx="5486400" cy="3086100"/>
+          </a:xfrm>
+          <a:prstGeom prst="rect">
+            <a:avLst/>
+          </a:prstGeom>
+          <a:noFill/>
+          <a:ln w="12700">
+            <a:solidFill>
+              <a:prstClr val="black"/>
+            </a:solidFill>
+          </a:ln>
+        </p:spPr>
+        <p:txBody>
+          <a:bodyPr vert="horz" lIns="91440" tIns="45720" rIns="91440" bIns="45720" rtlCol="0" anchor="ctr"/>
+          <a:lstStyle/>
+          <a:p>
+            <a:endParaRPr lang="de-DE"/>
+          </a:p>
+        </p:txBody>
+      </p:sp>
+      <p:sp>
+        <p:nvSpPr>
+          <p:cNvPr id="5" name="Notizenplatzhalter 4"/>
+          <p:cNvSpPr>
+            <a:spLocks noGrp="1"/>
+          </p:cNvSpPr>
+          <p:nvPr>
+            <p:ph type="body" sz="quarter" idx="3"/>
+          </p:nvPr>
+        </p:nvSpPr>
+        <p:spPr>
+          <a:xfrm>
+            <a:off x="685800" y="4400550"/>
+            <a:ext cx="5486400" cy="3600450"/>
+          </a:xfrm>
+          <a:prstGeom prst="rect">
+            <a:avLst/>
+          </a:prstGeom>
+        </p:spPr>
+        <p:txBody>
+          <a:bodyPr vert="horz" lIns="91440" tIns="45720" rIns="91440" bIns="45720" rtlCol="0"/>
+          <a:lstStyle/>
+          <a:p>
+            <a:pPr lvl="0"/>
+            <a:r>
+              <a:rPr lang="de-DE"/>
+              <a:t>Mastertextformat bearbeiten</a:t>
+            </a:r>
+          </a:p>
+          <a:p>
+            <a:pPr lvl="1"/>
+            <a:r>
+              <a:rPr lang="de-DE"/>
+              <a:t>Zweite Ebene</a:t>
+            </a:r>
+          </a:p>
+          <a:p>
+            <a:pPr lvl="2"/>
+            <a:r>
+              <a:rPr lang="de-DE"/>
+              <a:t>Dritte Ebene</a:t>
+            </a:r>
+          </a:p>
+          <a:p>
+            <a:pPr lvl="3"/>
+            <a:r>
+              <a:rPr lang="de-DE"/>
+              <a:t>Vierte Ebene</a:t>
+            </a:r>
+          </a:p>
+          <a:p>
+            <a:pPr lvl="4"/>
+            <a:r>
+              <a:rPr lang="de-DE"/>
+              <a:t>Fünfte Ebene</a:t>
+            </a:r>
+          </a:p>
+        </p:txBody>
+      </p:sp>
+      <p:sp>
+        <p:nvSpPr>
+          <p:cNvPr id="6" name="Fußzeilenplatzhalter 5"/>
+          <p:cNvSpPr>
+            <a:spLocks noGrp="1"/>
+          </p:cNvSpPr>
+          <p:nvPr>
+            <p:ph type="ftr" sz="quarter" idx="4"/>
+          </p:nvPr>
+        </p:nvSpPr>
+        <p:spPr>
+          <a:xfrm>
+            <a:off x="0" y="8685213"/>
+            <a:ext cx="2971800" cy="458787"/>
+          </a:xfrm>
+          <a:prstGeom prst="rect">
+            <a:avLst/>
+          </a:prstGeom>
+        </p:spPr>
+        <p:txBody>
+          <a:bodyPr vert="horz" lIns="91440" tIns="45720" rIns="91440" bIns="45720" rtlCol="0" anchor="b"/>
+          <a:lstStyle>
+            <a:lvl1pPr algn="l">
+              <a:defRPr sz="1200"/>
+            </a:lvl1pPr>
+          </a:lstStyle>
+          <a:p>
+            <a:endParaRPr lang="de-DE"/>
+          </a:p>
+        </p:txBody>
+      </p:sp>
+      <p:sp>
+        <p:nvSpPr>
+          <p:cNvPr id="7" name="Foliennummernplatzhalter 6"/>
+          <p:cNvSpPr>
+            <a:spLocks noGrp="1"/>
+          </p:cNvSpPr>
+          <p:nvPr>
+            <p:ph type="sldNum" sz="quarter" idx="5"/>
+          </p:nvPr>
+        </p:nvSpPr>
+        <p:spPr>
+          <a:xfrm>
+            <a:off x="3884613" y="8685213"/>
+            <a:ext cx="2971800" cy="458787"/>
+          </a:xfrm>
+          <a:prstGeom prst="rect">
+            <a:avLst/>
+          </a:prstGeom>
+        </p:spPr>
+        <p:txBody>
+          <a:bodyPr vert="horz" lIns="91440" tIns="45720" rIns="91440" bIns="45720" rtlCol="0" anchor="b"/>
+          <a:lstStyle>
+            <a:lvl1pPr algn="r">
+              <a:defRPr sz="1200"/>
+            </a:lvl1pPr>
+          </a:lstStyle>
+          <a:p>
+            <a:fld id="{825E0064-D652-4AFC-917B-7AF430753B63}" type="slidenum">
+              <a:rPr lang="de-DE" smtClean="0"/>
+              <a:t>‹Nr.›</a:t>
+            </a:fld>
+            <a:endParaRPr lang="de-DE"/>
+          </a:p>
+        </p:txBody>
+      </p:sp>
+    </p:spTree>
+    <p:extLst>
+      <p:ext uri="{BB962C8B-B14F-4D97-AF65-F5344CB8AC3E}">
+        <p14:creationId xmlns:p14="http://schemas.microsoft.com/office/powerpoint/2010/main" val="1730484459"/>
+      </p:ext>
+    </p:extLst>
+  </p:cSld>
+  <p:clrMap bg1="lt1" tx1="dk1" bg2="lt2" tx2="dk2" accent1="accent1" accent2="accent2" accent3="accent3" accent4="accent4" accent5="accent5" accent6="accent6" hlink="hlink" folHlink="folHlink"/>
+  <p:notesStyle>
+    <a:lvl1pPr marL="0" algn="l" defTabSz="914400" rtl="0" eaLnBrk="1" latinLnBrk="0" hangingPunct="1">
+      <a:defRPr sz="1200" kern="1200">
+        <a:solidFill>
+          <a:schemeClr val="tx1"/>
+        </a:solidFill>
+        <a:latin typeface="+mn-lt"/>
+        <a:ea typeface="+mn-ea"/>
+        <a:cs typeface="+mn-cs"/>
+      </a:defRPr>
+    </a:lvl1pPr>
+    <a:lvl2pPr marL="457200" algn="l" defTabSz="914400" rtl="0" eaLnBrk="1" latinLnBrk="0" hangingPunct="1">
+      <a:defRPr sz="1200" kern="1200">
+        <a:solidFill>
+          <a:schemeClr val="tx1"/>
+        </a:solidFill>
+        <a:latin typeface="+mn-lt"/>
+        <a:ea typeface="+mn-ea"/>
+        <a:cs typeface="+mn-cs"/>
+      </a:defRPr>
+    </a:lvl2pPr>
+    <a:lvl3pPr marL="914400" algn="l" defTabSz="914400" rtl="0" eaLnBrk="1" latinLnBrk="0" hangingPunct="1">
+      <a:defRPr sz="1200" kern="1200">
+        <a:solidFill>
+          <a:schemeClr val="tx1"/>
+        </a:solidFill>
+        <a:latin typeface="+mn-lt"/>
+        <a:ea typeface="+mn-ea"/>
+        <a:cs typeface="+mn-cs"/>
+      </a:defRPr>
+    </a:lvl3pPr>
+    <a:lvl4pPr marL="1371600" algn="l" defTabSz="914400" rtl="0" eaLnBrk="1" latinLnBrk="0" hangingPunct="1">
+      <a:defRPr sz="1200" kern="1200">
+        <a:solidFill>
+          <a:schemeClr val="tx1"/>
+        </a:solidFill>
+        <a:latin typeface="+mn-lt"/>
+        <a:ea typeface="+mn-ea"/>
+        <a:cs typeface="+mn-cs"/>
+      </a:defRPr>
+    </a:lvl4pPr>
+    <a:lvl5pPr marL="1828800" algn="l" defTabSz="914400" rtl="0" eaLnBrk="1" latinLnBrk="0" hangingPunct="1">
+      <a:defRPr sz="1200" kern="1200">
+        <a:solidFill>
+          <a:schemeClr val="tx1"/>
+        </a:solidFill>
+        <a:latin typeface="+mn-lt"/>
+        <a:ea typeface="+mn-ea"/>
+        <a:cs typeface="+mn-cs"/>
+      </a:defRPr>
+    </a:lvl5pPr>
+    <a:lvl6pPr marL="2286000" algn="l" defTabSz="914400" rtl="0" eaLnBrk="1" latinLnBrk="0" hangingPunct="1">
+      <a:defRPr sz="1200" kern="1200">
+        <a:solidFill>
+          <a:schemeClr val="tx1"/>
+        </a:solidFill>
+        <a:latin typeface="+mn-lt"/>
+        <a:ea typeface="+mn-ea"/>
+        <a:cs typeface="+mn-cs"/>
+      </a:defRPr>
+    </a:lvl6pPr>
+    <a:lvl7pPr marL="2743200" algn="l" defTabSz="914400" rtl="0" eaLnBrk="1" latinLnBrk="0" hangingPunct="1">
+      <a:defRPr sz="1200" kern="1200">
+        <a:solidFill>
+          <a:schemeClr val="tx1"/>
+        </a:solidFill>
+        <a:latin typeface="+mn-lt"/>
+        <a:ea typeface="+mn-ea"/>
+        <a:cs typeface="+mn-cs"/>
+      </a:defRPr>
+    </a:lvl7pPr>
+    <a:lvl8pPr marL="3200400" algn="l" defTabSz="914400" rtl="0" eaLnBrk="1" latinLnBrk="0" hangingPunct="1">
+      <a:defRPr sz="1200" kern="1200">
+        <a:solidFill>
+          <a:schemeClr val="tx1"/>
+        </a:solidFill>
+        <a:latin typeface="+mn-lt"/>
+        <a:ea typeface="+mn-ea"/>
+        <a:cs typeface="+mn-cs"/>
+      </a:defRPr>
+    </a:lvl8pPr>
+    <a:lvl9pPr marL="3657600" algn="l" defTabSz="914400" rtl="0" eaLnBrk="1" latinLnBrk="0" hangingPunct="1">
+      <a:defRPr sz="1200" kern="1200">
+        <a:solidFill>
+          <a:schemeClr val="tx1"/>
+        </a:solidFill>
+        <a:latin typeface="+mn-lt"/>
+        <a:ea typeface="+mn-ea"/>
+        <a:cs typeface="+mn-cs"/>
+      </a:defRPr>
+    </a:lvl9pPr>
+  </p:notesStyle>
+</p:notesMaster>
+</file>
+
+<file path=ppt/notesSlides/notesSlide1.xml><?xml version="1.0" encoding="utf-8"?>
+<p:notes xmlns:a="http://schemas.openxmlformats.org/drawingml/2006/main" xmlns:r="http://schemas.openxmlformats.org/officeDocument/2006/relationships" xmlns:p="http://schemas.openxmlformats.org/presentationml/2006/main">
+  <p:cSld>
+    <p:spTree>
+      <p:nvGrpSpPr>
+        <p:cNvPr id="1" name=""/>
+        <p:cNvGrpSpPr/>
+        <p:nvPr/>
+      </p:nvGrpSpPr>
+      <p:grpSpPr>
+        <a:xfrm>
+          <a:off x="0" y="0"/>
+          <a:ext cx="0" cy="0"/>
+          <a:chOff x="0" y="0"/>
+          <a:chExt cx="0" cy="0"/>
+        </a:xfrm>
+      </p:grpSpPr>
+      <p:sp>
+        <p:nvSpPr>
+          <p:cNvPr id="2" name="Folienbildplatzhalter 1"/>
+          <p:cNvSpPr>
+            <a:spLocks noGrp="1" noRot="1" noChangeAspect="1"/>
+          </p:cNvSpPr>
+          <p:nvPr>
+            <p:ph type="sldImg"/>
+          </p:nvPr>
+        </p:nvSpPr>
+        <p:spPr/>
+      </p:sp>
+      <p:sp>
+        <p:nvSpPr>
+          <p:cNvPr id="3" name="Notizenplatzhalter 2"/>
+          <p:cNvSpPr>
+            <a:spLocks noGrp="1"/>
+          </p:cNvSpPr>
+          <p:nvPr>
+            <p:ph type="body" idx="1"/>
+          </p:nvPr>
+        </p:nvSpPr>
+        <p:spPr/>
+        <p:txBody>
+          <a:bodyPr/>
+          <a:lstStyle/>
+          <a:p>
+            <a:r>
+              <a:rPr lang="de-DE" dirty="0"/>
+              <a:t>DHT11: Sensortyp</a:t>
+            </a:r>
+          </a:p>
+          <a:p>
+            <a:r>
+              <a:rPr lang="de-DE" dirty="0" err="1"/>
+              <a:t>sensor_t</a:t>
+            </a:r>
+            <a:r>
+              <a:rPr lang="de-DE" dirty="0"/>
+              <a:t> ist ein Datentyp, der Sensoreigenschaften (Name, Auflösung, Max/Min-Werte etc.) enthält.</a:t>
+            </a:r>
+          </a:p>
+        </p:txBody>
+      </p:sp>
+      <p:sp>
+        <p:nvSpPr>
+          <p:cNvPr id="4" name="Foliennummernplatzhalter 3"/>
+          <p:cNvSpPr>
+            <a:spLocks noGrp="1"/>
+          </p:cNvSpPr>
+          <p:nvPr>
+            <p:ph type="sldNum" sz="quarter" idx="5"/>
+          </p:nvPr>
+        </p:nvSpPr>
+        <p:spPr/>
+        <p:txBody>
+          <a:bodyPr/>
+          <a:lstStyle/>
+          <a:p>
+            <a:fld id="{825E0064-D652-4AFC-917B-7AF430753B63}" type="slidenum">
+              <a:rPr lang="de-DE" smtClean="0"/>
+              <a:t>5</a:t>
+            </a:fld>
+            <a:endParaRPr lang="de-DE"/>
+          </a:p>
+        </p:txBody>
+      </p:sp>
+    </p:spTree>
+    <p:extLst>
+      <p:ext uri="{BB962C8B-B14F-4D97-AF65-F5344CB8AC3E}">
+        <p14:creationId xmlns:p14="http://schemas.microsoft.com/office/powerpoint/2010/main" val="854921488"/>
+      </p:ext>
+    </p:extLst>
+  </p:cSld>
+  <p:clrMapOvr>
+    <a:masterClrMapping/>
+  </p:clrMapOvr>
+</p:notes>
+</file>
+
+<file path=ppt/notesSlides/notesSlide2.xml><?xml version="1.0" encoding="utf-8"?>
+<p:notes xmlns:a="http://schemas.openxmlformats.org/drawingml/2006/main" xmlns:r="http://schemas.openxmlformats.org/officeDocument/2006/relationships" xmlns:p="http://schemas.openxmlformats.org/presentationml/2006/main">
+  <p:cSld>
+    <p:spTree>
+      <p:nvGrpSpPr>
+        <p:cNvPr id="1" name=""/>
+        <p:cNvGrpSpPr/>
+        <p:nvPr/>
+      </p:nvGrpSpPr>
+      <p:grpSpPr>
+        <a:xfrm>
+          <a:off x="0" y="0"/>
+          <a:ext cx="0" cy="0"/>
+          <a:chOff x="0" y="0"/>
+          <a:chExt cx="0" cy="0"/>
+        </a:xfrm>
+      </p:grpSpPr>
+      <p:sp>
+        <p:nvSpPr>
+          <p:cNvPr id="2" name="Folienbildplatzhalter 1"/>
+          <p:cNvSpPr>
+            <a:spLocks noGrp="1" noRot="1" noChangeAspect="1"/>
+          </p:cNvSpPr>
+          <p:nvPr>
+            <p:ph type="sldImg"/>
+          </p:nvPr>
+        </p:nvSpPr>
+        <p:spPr/>
+      </p:sp>
+      <p:sp>
+        <p:nvSpPr>
+          <p:cNvPr id="3" name="Notizenplatzhalter 2"/>
+          <p:cNvSpPr>
+            <a:spLocks noGrp="1"/>
+          </p:cNvSpPr>
+          <p:nvPr>
+            <p:ph type="body" idx="1"/>
+          </p:nvPr>
+        </p:nvSpPr>
+        <p:spPr/>
+        <p:txBody>
+          <a:bodyPr/>
+          <a:lstStyle/>
+          <a:p>
+            <a:r>
+              <a:rPr lang="de-DE" dirty="0" err="1"/>
+              <a:t>void</a:t>
+            </a:r>
+            <a:r>
+              <a:rPr lang="de-DE" dirty="0"/>
+              <a:t> </a:t>
+            </a:r>
+            <a:r>
+              <a:rPr lang="de-DE" dirty="0" err="1"/>
+              <a:t>senddata</a:t>
+            </a:r>
+            <a:r>
+              <a:rPr lang="de-DE" dirty="0"/>
+              <a:t>(</a:t>
+            </a:r>
+            <a:r>
+              <a:rPr lang="de-DE" dirty="0" err="1"/>
+              <a:t>float</a:t>
+            </a:r>
+            <a:r>
+              <a:rPr lang="de-DE" dirty="0"/>
+              <a:t> </a:t>
+            </a:r>
+            <a:r>
+              <a:rPr lang="de-DE" dirty="0" err="1"/>
+              <a:t>temp</a:t>
+            </a:r>
+            <a:r>
+              <a:rPr lang="de-DE" dirty="0"/>
+              <a:t>, </a:t>
+            </a:r>
+            <a:r>
+              <a:rPr lang="de-DE" dirty="0" err="1"/>
+              <a:t>int</a:t>
+            </a:r>
+            <a:r>
+              <a:rPr lang="de-DE" dirty="0"/>
+              <a:t> </a:t>
+            </a:r>
+            <a:r>
+              <a:rPr lang="de-DE" dirty="0" err="1"/>
+              <a:t>luft</a:t>
+            </a:r>
+            <a:r>
+              <a:rPr lang="de-DE" dirty="0"/>
+              <a:t>){</a:t>
+            </a:r>
+          </a:p>
+          <a:p>
+            <a:r>
+              <a:rPr lang="de-DE" dirty="0"/>
+              <a:t>    </a:t>
+            </a:r>
+            <a:r>
+              <a:rPr lang="de-DE" dirty="0" err="1"/>
+              <a:t>http.begin</a:t>
+            </a:r>
+            <a:r>
+              <a:rPr lang="de-DE" dirty="0"/>
+              <a:t>(</a:t>
+            </a:r>
+            <a:r>
+              <a:rPr lang="de-DE" dirty="0" err="1"/>
+              <a:t>client,url</a:t>
+            </a:r>
+            <a:r>
+              <a:rPr lang="de-DE" dirty="0"/>
+              <a:t>);  // deine Ziel-API</a:t>
+            </a:r>
+          </a:p>
+          <a:p>
+            <a:r>
+              <a:rPr lang="de-DE" dirty="0"/>
+              <a:t>    </a:t>
+            </a:r>
+            <a:r>
+              <a:rPr lang="de-DE" dirty="0" err="1"/>
+              <a:t>http.addHeader</a:t>
+            </a:r>
+            <a:r>
+              <a:rPr lang="de-DE" dirty="0"/>
+              <a:t>("Content-Type", "</a:t>
+            </a:r>
+            <a:r>
+              <a:rPr lang="de-DE" dirty="0" err="1"/>
+              <a:t>application</a:t>
+            </a:r>
+            <a:r>
+              <a:rPr lang="de-DE" dirty="0"/>
+              <a:t>/</a:t>
+            </a:r>
+            <a:r>
+              <a:rPr lang="de-DE" dirty="0" err="1"/>
+              <a:t>json</a:t>
+            </a:r>
+            <a:r>
+              <a:rPr lang="de-DE" dirty="0"/>
+              <a:t>");</a:t>
+            </a:r>
+          </a:p>
+          <a:p>
+            <a:r>
+              <a:rPr lang="de-DE" dirty="0"/>
+              <a:t>    String </a:t>
+            </a:r>
+            <a:r>
+              <a:rPr lang="de-DE" dirty="0" err="1"/>
+              <a:t>payload</a:t>
+            </a:r>
+            <a:r>
+              <a:rPr lang="de-DE" dirty="0"/>
+              <a:t> = "{";</a:t>
+            </a:r>
+          </a:p>
+          <a:p>
+            <a:r>
+              <a:rPr lang="de-DE" dirty="0"/>
+              <a:t>    </a:t>
+            </a:r>
+            <a:r>
+              <a:rPr lang="de-DE" dirty="0" err="1"/>
+              <a:t>payload</a:t>
+            </a:r>
+            <a:r>
+              <a:rPr lang="de-DE" dirty="0"/>
+              <a:t> += "\"</a:t>
+            </a:r>
+            <a:r>
+              <a:rPr lang="de-DE" dirty="0" err="1"/>
+              <a:t>temperature</a:t>
+            </a:r>
+            <a:r>
+              <a:rPr lang="de-DE" dirty="0"/>
+              <a:t>\":" + String(</a:t>
+            </a:r>
+            <a:r>
+              <a:rPr lang="de-DE" dirty="0" err="1"/>
+              <a:t>temp</a:t>
+            </a:r>
+            <a:r>
+              <a:rPr lang="de-DE" dirty="0"/>
+              <a:t>, 2) + ",";</a:t>
+            </a:r>
+          </a:p>
+          <a:p>
+            <a:r>
+              <a:rPr lang="de-DE" dirty="0"/>
+              <a:t>    </a:t>
+            </a:r>
+            <a:r>
+              <a:rPr lang="de-DE" dirty="0" err="1"/>
+              <a:t>payload</a:t>
+            </a:r>
+            <a:r>
+              <a:rPr lang="de-DE" dirty="0"/>
+              <a:t> += "\"</a:t>
+            </a:r>
+            <a:r>
+              <a:rPr lang="de-DE" dirty="0" err="1"/>
+              <a:t>luftfeuchte</a:t>
+            </a:r>
+            <a:r>
+              <a:rPr lang="de-DE" dirty="0"/>
+              <a:t>\":" + String(</a:t>
+            </a:r>
+            <a:r>
+              <a:rPr lang="de-DE" dirty="0" err="1"/>
+              <a:t>luft</a:t>
+            </a:r>
+            <a:r>
+              <a:rPr lang="de-DE" dirty="0"/>
+              <a:t>);</a:t>
+            </a:r>
+          </a:p>
+          <a:p>
+            <a:r>
+              <a:rPr lang="de-DE" dirty="0"/>
+              <a:t>    </a:t>
+            </a:r>
+            <a:r>
+              <a:rPr lang="de-DE" dirty="0" err="1"/>
+              <a:t>payload</a:t>
+            </a:r>
+            <a:r>
+              <a:rPr lang="de-DE" dirty="0"/>
+              <a:t> += "}";</a:t>
+            </a:r>
+          </a:p>
+          <a:p>
+            <a:endParaRPr lang="de-DE" dirty="0"/>
+          </a:p>
+          <a:p>
+            <a:r>
+              <a:rPr lang="de-DE" dirty="0"/>
+              <a:t>    </a:t>
+            </a:r>
+            <a:r>
+              <a:rPr lang="de-DE" dirty="0" err="1"/>
+              <a:t>int</a:t>
+            </a:r>
+            <a:r>
+              <a:rPr lang="de-DE" dirty="0"/>
+              <a:t> </a:t>
+            </a:r>
+            <a:r>
+              <a:rPr lang="de-DE" dirty="0" err="1"/>
+              <a:t>httpResponseCode</a:t>
+            </a:r>
+            <a:r>
+              <a:rPr lang="de-DE" dirty="0"/>
+              <a:t> = </a:t>
+            </a:r>
+            <a:r>
+              <a:rPr lang="de-DE" dirty="0" err="1"/>
+              <a:t>http.POST</a:t>
+            </a:r>
+            <a:r>
+              <a:rPr lang="de-DE" dirty="0"/>
+              <a:t>(</a:t>
+            </a:r>
+            <a:r>
+              <a:rPr lang="de-DE" dirty="0" err="1"/>
+              <a:t>payload</a:t>
+            </a:r>
+            <a:r>
+              <a:rPr lang="de-DE" dirty="0"/>
+              <a:t>);</a:t>
+            </a:r>
+          </a:p>
+          <a:p>
+            <a:r>
+              <a:rPr lang="de-DE" dirty="0"/>
+              <a:t>    </a:t>
+            </a:r>
+            <a:r>
+              <a:rPr lang="de-DE" dirty="0" err="1"/>
+              <a:t>Serial.print</a:t>
+            </a:r>
+            <a:r>
+              <a:rPr lang="de-DE" dirty="0"/>
+              <a:t>("Daten gesendet, Statuscode: ");</a:t>
+            </a:r>
+          </a:p>
+          <a:p>
+            <a:r>
+              <a:rPr lang="de-DE" dirty="0"/>
+              <a:t>    </a:t>
+            </a:r>
+            <a:r>
+              <a:rPr lang="de-DE" dirty="0" err="1"/>
+              <a:t>Serial.println</a:t>
+            </a:r>
+            <a:r>
+              <a:rPr lang="de-DE" dirty="0"/>
+              <a:t>(</a:t>
+            </a:r>
+            <a:r>
+              <a:rPr lang="de-DE" dirty="0" err="1"/>
+              <a:t>httpResponseCode</a:t>
+            </a:r>
+            <a:r>
+              <a:rPr lang="de-DE" dirty="0"/>
+              <a:t>);</a:t>
+            </a:r>
+          </a:p>
+          <a:p>
+            <a:r>
+              <a:rPr lang="de-DE" dirty="0"/>
+              <a:t>    </a:t>
+            </a:r>
+            <a:r>
+              <a:rPr lang="de-DE" dirty="0" err="1"/>
+              <a:t>http.end</a:t>
+            </a:r>
+            <a:r>
+              <a:rPr lang="de-DE" dirty="0"/>
+              <a:t>();</a:t>
+            </a:r>
+          </a:p>
+          <a:p>
+            <a:r>
+              <a:rPr lang="de-DE" dirty="0"/>
+              <a:t>}</a:t>
+            </a:r>
+          </a:p>
+          <a:p>
+            <a:endParaRPr lang="de-DE" dirty="0"/>
+          </a:p>
+        </p:txBody>
+      </p:sp>
+      <p:sp>
+        <p:nvSpPr>
+          <p:cNvPr id="4" name="Foliennummernplatzhalter 3"/>
+          <p:cNvSpPr>
+            <a:spLocks noGrp="1"/>
+          </p:cNvSpPr>
+          <p:nvPr>
+            <p:ph type="sldNum" sz="quarter" idx="5"/>
+          </p:nvPr>
+        </p:nvSpPr>
+        <p:spPr/>
+        <p:txBody>
+          <a:bodyPr/>
+          <a:lstStyle/>
+          <a:p>
+            <a:fld id="{825E0064-D652-4AFC-917B-7AF430753B63}" type="slidenum">
+              <a:rPr lang="de-DE" smtClean="0"/>
+              <a:t>7</a:t>
+            </a:fld>
+            <a:endParaRPr lang="de-DE"/>
+          </a:p>
+        </p:txBody>
+      </p:sp>
+    </p:spTree>
+    <p:extLst>
+      <p:ext uri="{BB962C8B-B14F-4D97-AF65-F5344CB8AC3E}">
+        <p14:creationId xmlns:p14="http://schemas.microsoft.com/office/powerpoint/2010/main" val="2368247882"/>
+      </p:ext>
+    </p:extLst>
+  </p:cSld>
+  <p:clrMapOvr>
+    <a:masterClrMapping/>
+  </p:clrMapOvr>
+</p:notes>
+</file>
+
+<file path=ppt/notesSlides/notesSlide3.xml><?xml version="1.0" encoding="utf-8"?>
+<p:notes xmlns:a="http://schemas.openxmlformats.org/drawingml/2006/main" xmlns:r="http://schemas.openxmlformats.org/officeDocument/2006/relationships" xmlns:p="http://schemas.openxmlformats.org/presentationml/2006/main">
+  <p:cSld>
+    <p:spTree>
+      <p:nvGrpSpPr>
+        <p:cNvPr id="1" name=""/>
+        <p:cNvGrpSpPr/>
+        <p:nvPr/>
+      </p:nvGrpSpPr>
+      <p:grpSpPr>
+        <a:xfrm>
+          <a:off x="0" y="0"/>
+          <a:ext cx="0" cy="0"/>
+          <a:chOff x="0" y="0"/>
+          <a:chExt cx="0" cy="0"/>
+        </a:xfrm>
+      </p:grpSpPr>
+      <p:sp>
+        <p:nvSpPr>
+          <p:cNvPr id="2" name="Folienbildplatzhalter 1"/>
+          <p:cNvSpPr>
+            <a:spLocks noGrp="1" noRot="1" noChangeAspect="1"/>
+          </p:cNvSpPr>
+          <p:nvPr>
+            <p:ph type="sldImg"/>
+          </p:nvPr>
+        </p:nvSpPr>
+        <p:spPr/>
+      </p:sp>
+      <p:sp>
+        <p:nvSpPr>
+          <p:cNvPr id="3" name="Notizenplatzhalter 2"/>
+          <p:cNvSpPr>
+            <a:spLocks noGrp="1"/>
+          </p:cNvSpPr>
+          <p:nvPr>
+            <p:ph type="body" idx="1"/>
+          </p:nvPr>
+        </p:nvSpPr>
+        <p:spPr/>
+        <p:txBody>
+          <a:bodyPr/>
+          <a:lstStyle/>
+          <a:p>
+            <a:r>
+              <a:rPr lang="de-DE" dirty="0" err="1"/>
+              <a:t>new</a:t>
+            </a:r>
+            <a:r>
+              <a:rPr lang="de-DE" dirty="0"/>
+              <a:t> Chart('</a:t>
+            </a:r>
+            <a:r>
+              <a:rPr lang="de-DE" dirty="0" err="1"/>
+              <a:t>myChart</a:t>
+            </a:r>
+            <a:r>
+              <a:rPr lang="de-DE" dirty="0"/>
+              <a:t>', {</a:t>
+            </a:r>
+          </a:p>
+          <a:p>
+            <a:r>
+              <a:rPr lang="de-DE" dirty="0"/>
+              <a:t>          type: '</a:t>
+            </a:r>
+            <a:r>
+              <a:rPr lang="de-DE" dirty="0" err="1"/>
+              <a:t>line</a:t>
+            </a:r>
+            <a:r>
+              <a:rPr lang="de-DE" dirty="0"/>
+              <a:t>',</a:t>
+            </a:r>
+          </a:p>
+          <a:p>
+            <a:r>
+              <a:rPr lang="de-DE" dirty="0"/>
+              <a:t>          </a:t>
+            </a:r>
+            <a:r>
+              <a:rPr lang="de-DE" dirty="0" err="1"/>
+              <a:t>data</a:t>
+            </a:r>
+            <a:r>
+              <a:rPr lang="de-DE" dirty="0"/>
+              <a:t>: {</a:t>
+            </a:r>
+          </a:p>
+          <a:p>
+            <a:r>
+              <a:rPr lang="de-DE" dirty="0"/>
+              <a:t>            </a:t>
+            </a:r>
+            <a:r>
+              <a:rPr lang="de-DE" dirty="0" err="1"/>
+              <a:t>labels</a:t>
+            </a:r>
+            <a:r>
+              <a:rPr lang="de-DE" dirty="0"/>
+              <a:t>: </a:t>
+            </a:r>
+            <a:r>
+              <a:rPr lang="de-DE" dirty="0" err="1"/>
+              <a:t>labels</a:t>
+            </a:r>
+            <a:r>
+              <a:rPr lang="de-DE" dirty="0"/>
+              <a:t>,</a:t>
+            </a:r>
+          </a:p>
+          <a:p>
+            <a:r>
+              <a:rPr lang="de-DE" dirty="0"/>
+              <a:t>            </a:t>
+            </a:r>
+            <a:r>
+              <a:rPr lang="de-DE" dirty="0" err="1"/>
+              <a:t>datasets</a:t>
+            </a:r>
+            <a:r>
+              <a:rPr lang="de-DE" dirty="0"/>
+              <a:t>: [</a:t>
+            </a:r>
+          </a:p>
+          <a:p>
+            <a:r>
+              <a:rPr lang="de-DE" dirty="0"/>
+              <a:t>              {</a:t>
+            </a:r>
+          </a:p>
+          <a:p>
+            <a:r>
+              <a:rPr lang="de-DE" dirty="0"/>
+              <a:t>                </a:t>
+            </a:r>
+            <a:r>
+              <a:rPr lang="de-DE" dirty="0" err="1"/>
+              <a:t>label</a:t>
+            </a:r>
+            <a:r>
+              <a:rPr lang="de-DE" dirty="0"/>
+              <a:t>: 'Ø Temperatur (°C)',</a:t>
+            </a:r>
+          </a:p>
+          <a:p>
+            <a:r>
+              <a:rPr lang="de-DE" dirty="0"/>
+              <a:t>                </a:t>
+            </a:r>
+            <a:r>
+              <a:rPr lang="de-DE" dirty="0" err="1"/>
+              <a:t>data</a:t>
+            </a:r>
+            <a:r>
+              <a:rPr lang="de-DE" dirty="0"/>
+              <a:t>: </a:t>
+            </a:r>
+            <a:r>
+              <a:rPr lang="de-DE" dirty="0" err="1"/>
+              <a:t>temps</a:t>
+            </a:r>
+            <a:r>
+              <a:rPr lang="de-DE" dirty="0"/>
+              <a:t>,</a:t>
+            </a:r>
+          </a:p>
+          <a:p>
+            <a:r>
+              <a:rPr lang="de-DE" dirty="0"/>
+              <a:t>                </a:t>
+            </a:r>
+            <a:r>
+              <a:rPr lang="de-DE" dirty="0" err="1"/>
+              <a:t>borderColor</a:t>
+            </a:r>
+            <a:r>
+              <a:rPr lang="de-DE" dirty="0"/>
+              <a:t>: '</a:t>
+            </a:r>
+            <a:r>
+              <a:rPr lang="de-DE" dirty="0" err="1"/>
+              <a:t>red</a:t>
+            </a:r>
+            <a:r>
+              <a:rPr lang="de-DE" dirty="0"/>
+              <a:t>',</a:t>
+            </a:r>
+          </a:p>
+          <a:p>
+            <a:r>
+              <a:rPr lang="de-DE" dirty="0"/>
+              <a:t>                </a:t>
+            </a:r>
+            <a:r>
+              <a:rPr lang="de-DE" dirty="0" err="1"/>
+              <a:t>fill</a:t>
+            </a:r>
+            <a:r>
+              <a:rPr lang="de-DE" dirty="0"/>
+              <a:t>: </a:t>
+            </a:r>
+            <a:r>
+              <a:rPr lang="de-DE" dirty="0" err="1"/>
+              <a:t>false</a:t>
+            </a:r>
+            <a:endParaRPr lang="de-DE" dirty="0"/>
+          </a:p>
+          <a:p>
+            <a:r>
+              <a:rPr lang="de-DE" dirty="0"/>
+              <a:t>              },</a:t>
+            </a:r>
+          </a:p>
+          <a:p>
+            <a:r>
+              <a:rPr lang="de-DE" dirty="0"/>
+              <a:t>              {</a:t>
+            </a:r>
+          </a:p>
+          <a:p>
+            <a:r>
+              <a:rPr lang="de-DE" dirty="0"/>
+              <a:t>                </a:t>
+            </a:r>
+            <a:r>
+              <a:rPr lang="de-DE" dirty="0" err="1"/>
+              <a:t>label</a:t>
+            </a:r>
+            <a:r>
+              <a:rPr lang="de-DE" dirty="0"/>
+              <a:t>: 'Ø Luftfeuchtigkeit (%)',</a:t>
+            </a:r>
+          </a:p>
+          <a:p>
+            <a:r>
+              <a:rPr lang="de-DE" dirty="0"/>
+              <a:t>                </a:t>
+            </a:r>
+            <a:r>
+              <a:rPr lang="de-DE" dirty="0" err="1"/>
+              <a:t>data</a:t>
+            </a:r>
+            <a:r>
+              <a:rPr lang="de-DE" dirty="0"/>
+              <a:t>: </a:t>
+            </a:r>
+            <a:r>
+              <a:rPr lang="de-DE" dirty="0" err="1"/>
+              <a:t>hums</a:t>
+            </a:r>
+            <a:r>
+              <a:rPr lang="de-DE" dirty="0"/>
+              <a:t>,</a:t>
+            </a:r>
+          </a:p>
+          <a:p>
+            <a:r>
+              <a:rPr lang="de-DE" dirty="0"/>
+              <a:t>                </a:t>
+            </a:r>
+            <a:r>
+              <a:rPr lang="de-DE" dirty="0" err="1"/>
+              <a:t>borderColor</a:t>
+            </a:r>
+            <a:r>
+              <a:rPr lang="de-DE" dirty="0"/>
+              <a:t>: '</a:t>
+            </a:r>
+            <a:r>
+              <a:rPr lang="de-DE" dirty="0" err="1"/>
+              <a:t>blue</a:t>
+            </a:r>
+            <a:r>
+              <a:rPr lang="de-DE" dirty="0"/>
+              <a:t>',</a:t>
+            </a:r>
+          </a:p>
+          <a:p>
+            <a:r>
+              <a:rPr lang="de-DE" dirty="0"/>
+              <a:t>                </a:t>
+            </a:r>
+            <a:r>
+              <a:rPr lang="de-DE" dirty="0" err="1"/>
+              <a:t>fill</a:t>
+            </a:r>
+            <a:r>
+              <a:rPr lang="de-DE" dirty="0"/>
+              <a:t>: </a:t>
+            </a:r>
+            <a:r>
+              <a:rPr lang="de-DE" dirty="0" err="1"/>
+              <a:t>false</a:t>
+            </a:r>
+            <a:endParaRPr lang="de-DE" dirty="0"/>
+          </a:p>
+          <a:p>
+            <a:r>
+              <a:rPr lang="de-DE" dirty="0"/>
+              <a:t>              }</a:t>
+            </a:r>
+          </a:p>
+          <a:p>
+            <a:r>
+              <a:rPr lang="de-DE" dirty="0"/>
+              <a:t>            ]</a:t>
+            </a:r>
+          </a:p>
+          <a:p>
+            <a:r>
+              <a:rPr lang="de-DE" dirty="0"/>
+              <a:t>          },</a:t>
+            </a:r>
+          </a:p>
+          <a:p>
+            <a:r>
+              <a:rPr lang="de-DE" dirty="0"/>
+              <a:t>          </a:t>
+            </a:r>
+            <a:r>
+              <a:rPr lang="de-DE" dirty="0" err="1"/>
+              <a:t>options</a:t>
+            </a:r>
+            <a:r>
+              <a:rPr lang="de-DE" dirty="0"/>
+              <a:t>: {</a:t>
+            </a:r>
+          </a:p>
+          <a:p>
+            <a:r>
+              <a:rPr lang="de-DE" dirty="0"/>
+              <a:t>            responsive: </a:t>
+            </a:r>
+            <a:r>
+              <a:rPr lang="de-DE" dirty="0" err="1"/>
+              <a:t>true</a:t>
+            </a:r>
+            <a:r>
+              <a:rPr lang="de-DE" dirty="0"/>
+              <a:t>,</a:t>
+            </a:r>
+          </a:p>
+          <a:p>
+            <a:r>
+              <a:rPr lang="de-DE" dirty="0"/>
+              <a:t>            </a:t>
+            </a:r>
+            <a:r>
+              <a:rPr lang="de-DE" dirty="0" err="1"/>
+              <a:t>plugins</a:t>
+            </a:r>
+            <a:r>
+              <a:rPr lang="de-DE" dirty="0"/>
+              <a:t>: {</a:t>
+            </a:r>
+          </a:p>
+          <a:p>
+            <a:r>
+              <a:rPr lang="de-DE" dirty="0"/>
+              <a:t>              legend: { </a:t>
+            </a:r>
+            <a:r>
+              <a:rPr lang="de-DE" dirty="0" err="1"/>
+              <a:t>position</a:t>
+            </a:r>
+            <a:r>
+              <a:rPr lang="de-DE" dirty="0"/>
+              <a:t>: 'top' },</a:t>
+            </a:r>
+          </a:p>
+          <a:p>
+            <a:r>
+              <a:rPr lang="de-DE" dirty="0"/>
+              <a:t>              title: { </a:t>
+            </a:r>
+            <a:r>
+              <a:rPr lang="de-DE" dirty="0" err="1"/>
+              <a:t>display</a:t>
+            </a:r>
+            <a:r>
+              <a:rPr lang="de-DE" dirty="0"/>
+              <a:t>: </a:t>
+            </a:r>
+            <a:r>
+              <a:rPr lang="de-DE" dirty="0" err="1"/>
+              <a:t>true</a:t>
+            </a:r>
+            <a:r>
+              <a:rPr lang="de-DE" dirty="0"/>
+              <a:t>, </a:t>
+            </a:r>
+            <a:r>
+              <a:rPr lang="de-DE" dirty="0" err="1"/>
+              <a:t>text</a:t>
+            </a:r>
+            <a:r>
+              <a:rPr lang="de-DE" dirty="0"/>
+              <a:t>: 'Monatliche Durchschnittswerte' }</a:t>
+            </a:r>
+          </a:p>
+          <a:p>
+            <a:r>
+              <a:rPr lang="de-DE" dirty="0"/>
+              <a:t>            }</a:t>
+            </a:r>
+          </a:p>
+          <a:p>
+            <a:r>
+              <a:rPr lang="de-DE" dirty="0"/>
+              <a:t>          }</a:t>
+            </a:r>
+          </a:p>
+          <a:p>
+            <a:r>
+              <a:rPr lang="de-DE" dirty="0"/>
+              <a:t>        });</a:t>
+            </a:r>
+          </a:p>
+        </p:txBody>
+      </p:sp>
+      <p:sp>
+        <p:nvSpPr>
+          <p:cNvPr id="4" name="Foliennummernplatzhalter 3"/>
+          <p:cNvSpPr>
+            <a:spLocks noGrp="1"/>
+          </p:cNvSpPr>
+          <p:nvPr>
+            <p:ph type="sldNum" sz="quarter" idx="5"/>
+          </p:nvPr>
+        </p:nvSpPr>
+        <p:spPr/>
+        <p:txBody>
+          <a:bodyPr/>
+          <a:lstStyle/>
+          <a:p>
+            <a:fld id="{825E0064-D652-4AFC-917B-7AF430753B63}" type="slidenum">
+              <a:rPr lang="de-DE" smtClean="0"/>
+              <a:t>12</a:t>
+            </a:fld>
+            <a:endParaRPr lang="de-DE"/>
+          </a:p>
+        </p:txBody>
+      </p:sp>
+    </p:spTree>
+    <p:extLst>
+      <p:ext uri="{BB962C8B-B14F-4D97-AF65-F5344CB8AC3E}">
+        <p14:creationId xmlns:p14="http://schemas.microsoft.com/office/powerpoint/2010/main" val="137395098"/>
+      </p:ext>
+    </p:extLst>
+  </p:cSld>
+  <p:clrMapOvr>
+    <a:masterClrMapping/>
+  </p:clrMapOvr>
+</p:notes>
+</file>
+
 <file path=ppt/slideLayouts/slideLayout1.xml><?xml version="1.0" encoding="utf-8"?>
 <p:sldLayout xmlns:a="http://schemas.openxmlformats.org/drawingml/2006/main" xmlns:r="http://schemas.openxmlformats.org/officeDocument/2006/relationships" xmlns:p="http://schemas.openxmlformats.org/presentationml/2006/main" type="title" preserve="1">
   <p:cSld name="Titelfolie">
@@ -354,7 +1656,7 @@
           <a:p>
             <a:fld id="{7525AACE-756A-4C7B-A4B6-168765692D16}" type="datetimeFigureOut">
               <a:rPr lang="de-DE" smtClean="0"/>
-              <a:t>05.06.2025</a:t>
+              <a:t>12.06.2025</a:t>
             </a:fld>
             <a:endParaRPr lang="de-DE"/>
           </a:p>
@@ -691,7 +1993,7 @@
           <a:p>
             <a:fld id="{7525AACE-756A-4C7B-A4B6-168765692D16}" type="datetimeFigureOut">
               <a:rPr lang="de-DE" smtClean="0"/>
-              <a:t>05.06.2025</a:t>
+              <a:t>12.06.2025</a:t>
             </a:fld>
             <a:endParaRPr lang="de-DE"/>
           </a:p>
@@ -972,7 +2274,7 @@
           <a:p>
             <a:fld id="{7525AACE-756A-4C7B-A4B6-168765692D16}" type="datetimeFigureOut">
               <a:rPr lang="de-DE" smtClean="0"/>
-              <a:t>05.06.2025</a:t>
+              <a:t>12.06.2025</a:t>
             </a:fld>
             <a:endParaRPr lang="de-DE"/>
           </a:p>
@@ -1543,7 +2845,7 @@
           <a:p>
             <a:fld id="{7525AACE-756A-4C7B-A4B6-168765692D16}" type="datetimeFigureOut">
               <a:rPr lang="de-DE" smtClean="0"/>
-              <a:t>05.06.2025</a:t>
+              <a:t>12.06.2025</a:t>
             </a:fld>
             <a:endParaRPr lang="de-DE"/>
           </a:p>
@@ -1824,7 +3126,7 @@
           <a:p>
             <a:fld id="{7525AACE-756A-4C7B-A4B6-168765692D16}" type="datetimeFigureOut">
               <a:rPr lang="de-DE" smtClean="0"/>
-              <a:t>05.06.2025</a:t>
+              <a:t>12.06.2025</a:t>
             </a:fld>
             <a:endParaRPr lang="de-DE"/>
           </a:p>
@@ -2389,7 +3691,7 @@
           <a:p>
             <a:fld id="{7525AACE-756A-4C7B-A4B6-168765692D16}" type="datetimeFigureOut">
               <a:rPr lang="de-DE" smtClean="0"/>
-              <a:t>05.06.2025</a:t>
+              <a:t>12.06.2025</a:t>
             </a:fld>
             <a:endParaRPr lang="de-DE"/>
           </a:p>
@@ -2719,7 +4021,7 @@
           <a:p>
             <a:fld id="{7525AACE-756A-4C7B-A4B6-168765692D16}" type="datetimeFigureOut">
               <a:rPr lang="de-DE" smtClean="0"/>
-              <a:t>05.06.2025</a:t>
+              <a:t>12.06.2025</a:t>
             </a:fld>
             <a:endParaRPr lang="de-DE"/>
           </a:p>
@@ -2899,7 +4201,7 @@
           <a:p>
             <a:fld id="{7525AACE-756A-4C7B-A4B6-168765692D16}" type="datetimeFigureOut">
               <a:rPr lang="de-DE" smtClean="0"/>
-              <a:t>05.06.2025</a:t>
+              <a:t>12.06.2025</a:t>
             </a:fld>
             <a:endParaRPr lang="de-DE"/>
           </a:p>
@@ -3140,7 +4442,7 @@
           <a:p>
             <a:fld id="{7525AACE-756A-4C7B-A4B6-168765692D16}" type="datetimeFigureOut">
               <a:rPr lang="de-DE" smtClean="0"/>
-              <a:t>05.06.2025</a:t>
+              <a:t>12.06.2025</a:t>
             </a:fld>
             <a:endParaRPr lang="de-DE"/>
           </a:p>
@@ -3343,7 +4645,7 @@
           <a:p>
             <a:fld id="{7525AACE-756A-4C7B-A4B6-168765692D16}" type="datetimeFigureOut">
               <a:rPr lang="de-DE" smtClean="0"/>
-              <a:t>05.06.2025</a:t>
+              <a:t>12.06.2025</a:t>
             </a:fld>
             <a:endParaRPr lang="de-DE"/>
           </a:p>
@@ -3622,7 +4924,7 @@
           <a:p>
             <a:fld id="{7525AACE-756A-4C7B-A4B6-168765692D16}" type="datetimeFigureOut">
               <a:rPr lang="de-DE" smtClean="0"/>
-              <a:t>05.06.2025</a:t>
+              <a:t>12.06.2025</a:t>
             </a:fld>
             <a:endParaRPr lang="de-DE"/>
           </a:p>
@@ -3891,7 +5193,7 @@
           <a:p>
             <a:fld id="{7525AACE-756A-4C7B-A4B6-168765692D16}" type="datetimeFigureOut">
               <a:rPr lang="de-DE" smtClean="0"/>
-              <a:t>05.06.2025</a:t>
+              <a:t>12.06.2025</a:t>
             </a:fld>
             <a:endParaRPr lang="de-DE"/>
           </a:p>
@@ -4268,7 +5570,7 @@
           <a:p>
             <a:fld id="{7525AACE-756A-4C7B-A4B6-168765692D16}" type="datetimeFigureOut">
               <a:rPr lang="de-DE" smtClean="0"/>
-              <a:t>05.06.2025</a:t>
+              <a:t>12.06.2025</a:t>
             </a:fld>
             <a:endParaRPr lang="de-DE"/>
           </a:p>
@@ -4419,7 +5721,7 @@
           <a:p>
             <a:fld id="{7525AACE-756A-4C7B-A4B6-168765692D16}" type="datetimeFigureOut">
               <a:rPr lang="de-DE" smtClean="0"/>
-              <a:t>05.06.2025</a:t>
+              <a:t>12.06.2025</a:t>
             </a:fld>
             <a:endParaRPr lang="de-DE"/>
           </a:p>
@@ -4547,7 +5849,7 @@
           <a:p>
             <a:fld id="{7525AACE-756A-4C7B-A4B6-168765692D16}" type="datetimeFigureOut">
               <a:rPr lang="de-DE" smtClean="0"/>
-              <a:t>05.06.2025</a:t>
+              <a:t>12.06.2025</a:t>
             </a:fld>
             <a:endParaRPr lang="de-DE"/>
           </a:p>
@@ -4835,7 +6137,7 @@
           <a:p>
             <a:fld id="{7525AACE-756A-4C7B-A4B6-168765692D16}" type="datetimeFigureOut">
               <a:rPr lang="de-DE" smtClean="0"/>
-              <a:t>05.06.2025</a:t>
+              <a:t>12.06.2025</a:t>
             </a:fld>
             <a:endParaRPr lang="de-DE"/>
           </a:p>
@@ -5162,7 +6464,7 @@
           <a:p>
             <a:fld id="{7525AACE-756A-4C7B-A4B6-168765692D16}" type="datetimeFigureOut">
               <a:rPr lang="de-DE" smtClean="0"/>
-              <a:t>05.06.2025</a:t>
+              <a:t>12.06.2025</a:t>
             </a:fld>
             <a:endParaRPr lang="de-DE"/>
           </a:p>
@@ -5379,7 +6681,7 @@
           <a:p>
             <a:fld id="{7525AACE-756A-4C7B-A4B6-168765692D16}" type="datetimeFigureOut">
               <a:rPr lang="de-DE" smtClean="0"/>
-              <a:t>05.06.2025</a:t>
+              <a:t>12.06.2025</a:t>
             </a:fld>
             <a:endParaRPr lang="de-DE"/>
           </a:p>
@@ -10008,172 +11310,6 @@
 </p:sld>
 </file>
 
-<file path=ppt/slides/slide13.xml><?xml version="1.0" encoding="utf-8"?>
-<p:sld xmlns:a="http://schemas.openxmlformats.org/drawingml/2006/main" xmlns:r="http://schemas.openxmlformats.org/officeDocument/2006/relationships" xmlns:p="http://schemas.openxmlformats.org/presentationml/2006/main">
-  <p:cSld>
-    <p:spTree>
-      <p:nvGrpSpPr>
-        <p:cNvPr id="1" name=""/>
-        <p:cNvGrpSpPr/>
-        <p:nvPr/>
-      </p:nvGrpSpPr>
-      <p:grpSpPr>
-        <a:xfrm>
-          <a:off x="0" y="0"/>
-          <a:ext cx="0" cy="0"/>
-          <a:chOff x="0" y="0"/>
-          <a:chExt cx="0" cy="0"/>
-        </a:xfrm>
-      </p:grpSpPr>
-      <p:sp>
-        <p:nvSpPr>
-          <p:cNvPr id="2" name="Titel 1">
-            <a:extLst>
-              <a:ext uri="{FF2B5EF4-FFF2-40B4-BE49-F238E27FC236}">
-                <a16:creationId xmlns:a16="http://schemas.microsoft.com/office/drawing/2014/main" id="{04710C4D-DAB5-ED3C-4A2B-B014CF248481}"/>
-              </a:ext>
-            </a:extLst>
-          </p:cNvPr>
-          <p:cNvSpPr>
-            <a:spLocks noGrp="1"/>
-          </p:cNvSpPr>
-          <p:nvPr>
-            <p:ph type="title"/>
-          </p:nvPr>
-        </p:nvSpPr>
-        <p:spPr/>
-        <p:txBody>
-          <a:bodyPr/>
-          <a:lstStyle/>
-          <a:p>
-            <a:endParaRPr lang="de-DE"/>
-          </a:p>
-        </p:txBody>
-      </p:sp>
-      <p:sp>
-        <p:nvSpPr>
-          <p:cNvPr id="3" name="Inhaltsplatzhalter 2">
-            <a:extLst>
-              <a:ext uri="{FF2B5EF4-FFF2-40B4-BE49-F238E27FC236}">
-                <a16:creationId xmlns:a16="http://schemas.microsoft.com/office/drawing/2014/main" id="{EB7E7BB8-13CF-6D2F-001C-73D82EDBD0CD}"/>
-              </a:ext>
-            </a:extLst>
-          </p:cNvPr>
-          <p:cNvSpPr>
-            <a:spLocks noGrp="1"/>
-          </p:cNvSpPr>
-          <p:nvPr>
-            <p:ph idx="1"/>
-          </p:nvPr>
-        </p:nvSpPr>
-        <p:spPr/>
-        <p:txBody>
-          <a:bodyPr/>
-          <a:lstStyle/>
-          <a:p>
-            <a:endParaRPr lang="de-DE"/>
-          </a:p>
-        </p:txBody>
-      </p:sp>
-    </p:spTree>
-    <p:extLst>
-      <p:ext uri="{BB962C8B-B14F-4D97-AF65-F5344CB8AC3E}">
-        <p14:creationId xmlns:p14="http://schemas.microsoft.com/office/powerpoint/2010/main" val="1372812059"/>
-      </p:ext>
-    </p:extLst>
-  </p:cSld>
-  <p:clrMapOvr>
-    <a:masterClrMapping/>
-  </p:clrMapOvr>
-  <p:transition spd="slow">
-    <p:push dir="u"/>
-  </p:transition>
-</p:sld>
-</file>
-
-<file path=ppt/slides/slide14.xml><?xml version="1.0" encoding="utf-8"?>
-<p:sld xmlns:a="http://schemas.openxmlformats.org/drawingml/2006/main" xmlns:r="http://schemas.openxmlformats.org/officeDocument/2006/relationships" xmlns:p="http://schemas.openxmlformats.org/presentationml/2006/main">
-  <p:cSld>
-    <p:spTree>
-      <p:nvGrpSpPr>
-        <p:cNvPr id="1" name=""/>
-        <p:cNvGrpSpPr/>
-        <p:nvPr/>
-      </p:nvGrpSpPr>
-      <p:grpSpPr>
-        <a:xfrm>
-          <a:off x="0" y="0"/>
-          <a:ext cx="0" cy="0"/>
-          <a:chOff x="0" y="0"/>
-          <a:chExt cx="0" cy="0"/>
-        </a:xfrm>
-      </p:grpSpPr>
-      <p:sp>
-        <p:nvSpPr>
-          <p:cNvPr id="2" name="Titel 1">
-            <a:extLst>
-              <a:ext uri="{FF2B5EF4-FFF2-40B4-BE49-F238E27FC236}">
-                <a16:creationId xmlns:a16="http://schemas.microsoft.com/office/drawing/2014/main" id="{7BDFDDC9-A52A-AA9A-FA33-D00065C4176D}"/>
-              </a:ext>
-            </a:extLst>
-          </p:cNvPr>
-          <p:cNvSpPr>
-            <a:spLocks noGrp="1"/>
-          </p:cNvSpPr>
-          <p:nvPr>
-            <p:ph type="title"/>
-          </p:nvPr>
-        </p:nvSpPr>
-        <p:spPr/>
-        <p:txBody>
-          <a:bodyPr/>
-          <a:lstStyle/>
-          <a:p>
-            <a:endParaRPr lang="de-DE"/>
-          </a:p>
-        </p:txBody>
-      </p:sp>
-      <p:sp>
-        <p:nvSpPr>
-          <p:cNvPr id="3" name="Inhaltsplatzhalter 2">
-            <a:extLst>
-              <a:ext uri="{FF2B5EF4-FFF2-40B4-BE49-F238E27FC236}">
-                <a16:creationId xmlns:a16="http://schemas.microsoft.com/office/drawing/2014/main" id="{3992BA8A-968E-84F7-C52C-9F83931F54D9}"/>
-              </a:ext>
-            </a:extLst>
-          </p:cNvPr>
-          <p:cNvSpPr>
-            <a:spLocks noGrp="1"/>
-          </p:cNvSpPr>
-          <p:nvPr>
-            <p:ph idx="1"/>
-          </p:nvPr>
-        </p:nvSpPr>
-        <p:spPr/>
-        <p:txBody>
-          <a:bodyPr/>
-          <a:lstStyle/>
-          <a:p>
-            <a:endParaRPr lang="de-DE"/>
-          </a:p>
-        </p:txBody>
-      </p:sp>
-    </p:spTree>
-    <p:extLst>
-      <p:ext uri="{BB962C8B-B14F-4D97-AF65-F5344CB8AC3E}">
-        <p14:creationId xmlns:p14="http://schemas.microsoft.com/office/powerpoint/2010/main" val="3246859363"/>
-      </p:ext>
-    </p:extLst>
-  </p:cSld>
-  <p:clrMapOvr>
-    <a:masterClrMapping/>
-  </p:clrMapOvr>
-  <p:transition spd="slow">
-    <p:push dir="u"/>
-  </p:transition>
-</p:sld>
-</file>
-
 <file path=ppt/slides/slide2.xml><?xml version="1.0" encoding="utf-8"?>
 <p:sld xmlns:a="http://schemas.openxmlformats.org/drawingml/2006/main" xmlns:r="http://schemas.openxmlformats.org/officeDocument/2006/relationships" xmlns:p="http://schemas.openxmlformats.org/presentationml/2006/main">
   <p:cSld>
@@ -10278,10 +11414,10 @@
             </a:r>
           </a:p>
           <a:p>
-            <a:r>
-              <a:rPr lang="de-DE" sz="2400" dirty="0"/>
-              <a:t>In der Praxis</a:t>
-            </a:r>
+            <a:pPr marL="0" indent="0">
+              <a:buNone/>
+            </a:pPr>
+            <a:endParaRPr lang="de-DE" sz="2400" dirty="0"/>
           </a:p>
           <a:p>
             <a:endParaRPr lang="de-DE" dirty="0"/>
@@ -10307,6 +11443,15 @@
 <file path=ppt/slides/slide3.xml><?xml version="1.0" encoding="utf-8"?>
 <p:sld xmlns:a="http://schemas.openxmlformats.org/drawingml/2006/main" xmlns:r="http://schemas.openxmlformats.org/officeDocument/2006/relationships" xmlns:p="http://schemas.openxmlformats.org/presentationml/2006/main">
   <p:cSld>
+    <p:bg>
+      <p:bgPr>
+        <a:blipFill>
+          <a:blip r:embed="rId2"/>
+          <a:stretch/>
+        </a:blipFill>
+        <a:effectLst/>
+      </p:bgPr>
+    </p:bg>
     <p:spTree>
       <p:nvGrpSpPr>
         <p:cNvPr id="1" name=""/>
@@ -10337,9 +11482,16 @@
             <p:ph type="title"/>
           </p:nvPr>
         </p:nvSpPr>
-        <p:spPr/>
+        <p:spPr>
+          <a:xfrm>
+            <a:off x="825909" y="808055"/>
+            <a:ext cx="3979205" cy="1453363"/>
+          </a:xfrm>
+        </p:spPr>
         <p:txBody>
-          <a:bodyPr/>
+          <a:bodyPr>
+            <a:normAutofit/>
+          </a:bodyPr>
           <a:lstStyle/>
           <a:p>
             <a:r>
@@ -10365,9 +11517,16 @@
             <p:ph idx="1"/>
           </p:nvPr>
         </p:nvSpPr>
-        <p:spPr/>
+        <p:spPr>
+          <a:xfrm>
+            <a:off x="802178" y="2261420"/>
+            <a:ext cx="4002936" cy="3637935"/>
+          </a:xfrm>
+        </p:spPr>
         <p:txBody>
-          <a:bodyPr/>
+          <a:bodyPr>
+            <a:normAutofit/>
+          </a:bodyPr>
           <a:lstStyle/>
           <a:p>
             <a:r>
@@ -10405,6 +11564,70 @@
           </a:p>
         </p:txBody>
       </p:sp>
+      <p:pic>
+        <p:nvPicPr>
+          <p:cNvPr id="5" name="Grafik 4" descr="Ein Bild, das Elektrische Leitungen, Elektronik, Kabel, Elektronisches Bauteil enthält.&#10;&#10;KI-generierte Inhalte können fehlerhaft sein.">
+            <a:extLst>
+              <a:ext uri="{FF2B5EF4-FFF2-40B4-BE49-F238E27FC236}">
+                <a16:creationId xmlns:a16="http://schemas.microsoft.com/office/drawing/2014/main" id="{27466640-5F36-922B-136E-799485805BB0}"/>
+              </a:ext>
+            </a:extLst>
+          </p:cNvPr>
+          <p:cNvPicPr>
+            <a:picLocks noChangeAspect="1"/>
+          </p:cNvPicPr>
+          <p:nvPr/>
+        </p:nvPicPr>
+        <p:blipFill>
+          <a:blip r:embed="rId3">
+            <a:extLst>
+              <a:ext uri="{28A0092B-C50C-407E-A947-70E740481C1C}">
+                <a14:useLocalDpi xmlns:a14="http://schemas.microsoft.com/office/drawing/2010/main" val="0"/>
+              </a:ext>
+            </a:extLst>
+          </a:blip>
+          <a:stretch>
+            <a:fillRect/>
+          </a:stretch>
+        </p:blipFill>
+        <p:spPr>
+          <a:xfrm rot="5400000">
+            <a:off x="5786077" y="1434281"/>
+            <a:ext cx="5102943" cy="3827207"/>
+          </a:xfrm>
+          <a:prstGeom prst="roundRect">
+            <a:avLst>
+              <a:gd name="adj" fmla="val 4380"/>
+            </a:avLst>
+          </a:prstGeom>
+          <a:ln w="50800" cap="sq" cmpd="dbl">
+            <a:gradFill flip="none" rotWithShape="1">
+              <a:gsLst>
+                <a:gs pos="0">
+                  <a:srgbClr val="FFFFFF"/>
+                </a:gs>
+                <a:gs pos="100000">
+                  <a:schemeClr val="tx1">
+                    <a:alpha val="0"/>
+                  </a:schemeClr>
+                </a:gs>
+              </a:gsLst>
+              <a:path path="circle">
+                <a:fillToRect l="50000" t="50000" r="50000" b="50000"/>
+              </a:path>
+              <a:tileRect/>
+            </a:gradFill>
+            <a:miter lim="800000"/>
+          </a:ln>
+          <a:effectLst>
+            <a:outerShdw blurRad="254000" algn="tl" rotWithShape="0">
+              <a:srgbClr val="000000">
+                <a:alpha val="43000"/>
+              </a:srgbClr>
+            </a:outerShdw>
+          </a:effectLst>
+        </p:spPr>
+      </p:pic>
     </p:spTree>
     <p:extLst>
       <p:ext uri="{BB962C8B-B14F-4D97-AF65-F5344CB8AC3E}">
@@ -10691,7 +11914,7 @@
           </p:nvPr>
         </p:nvPicPr>
         <p:blipFill>
-          <a:blip r:embed="rId2"/>
+          <a:blip r:embed="rId3"/>
           <a:stretch>
             <a:fillRect/>
           </a:stretch>
@@ -10718,7 +11941,7 @@
           <p:nvPr/>
         </p:nvPicPr>
         <p:blipFill>
-          <a:blip r:embed="rId3"/>
+          <a:blip r:embed="rId4"/>
           <a:stretch>
             <a:fillRect/>
           </a:stretch>
@@ -10733,6 +11956,57 @@
           </a:prstGeom>
         </p:spPr>
       </p:pic>
+      <mc:AlternateContent xmlns:mc="http://schemas.openxmlformats.org/markup-compatibility/2006" xmlns:p14="http://schemas.microsoft.com/office/powerpoint/2010/main">
+        <mc:Choice Requires="p14">
+          <p:contentPart p14:bwMode="auto" r:id="rId5">
+            <p14:nvContentPartPr>
+              <p14:cNvPr id="3" name="Freihand 2">
+                <a:extLst>
+                  <a:ext uri="{FF2B5EF4-FFF2-40B4-BE49-F238E27FC236}">
+                    <a16:creationId xmlns:a16="http://schemas.microsoft.com/office/drawing/2014/main" id="{8395D559-C092-E869-C829-E1F44CF66F1C}"/>
+                  </a:ext>
+                </a:extLst>
+              </p14:cNvPr>
+              <p14:cNvContentPartPr/>
+              <p14:nvPr/>
+            </p14:nvContentPartPr>
+            <p14:xfrm>
+              <a:off x="6481928" y="3050145"/>
+              <a:ext cx="1595160" cy="46440"/>
+            </p14:xfrm>
+          </p:contentPart>
+        </mc:Choice>
+        <mc:Fallback xmlns="">
+          <p:pic>
+            <p:nvPicPr>
+              <p:cNvPr id="3" name="Freihand 2">
+                <a:extLst>
+                  <a:ext uri="{FF2B5EF4-FFF2-40B4-BE49-F238E27FC236}">
+                    <a16:creationId xmlns:a16="http://schemas.microsoft.com/office/drawing/2014/main" id="{8395D559-C092-E869-C829-E1F44CF66F1C}"/>
+                  </a:ext>
+                </a:extLst>
+              </p:cNvPr>
+              <p:cNvPicPr/>
+              <p:nvPr/>
+            </p:nvPicPr>
+            <p:blipFill>
+              <a:blip r:embed="rId6"/>
+              <a:stretch>
+                <a:fillRect/>
+              </a:stretch>
+            </p:blipFill>
+            <p:spPr>
+              <a:xfrm>
+                <a:off x="6418928" y="2987505"/>
+                <a:ext cx="1720800" cy="172080"/>
+              </a:xfrm>
+              <a:prstGeom prst="rect">
+                <a:avLst/>
+              </a:prstGeom>
+            </p:spPr>
+          </p:pic>
+        </mc:Fallback>
+      </mc:AlternateContent>
     </p:spTree>
     <p:extLst>
       <p:ext uri="{BB962C8B-B14F-4D97-AF65-F5344CB8AC3E}">
@@ -11027,7 +12301,7 @@
           <p:nvPr/>
         </p:nvPicPr>
         <p:blipFill>
-          <a:blip r:embed="rId2"/>
+          <a:blip r:embed="rId3"/>
           <a:stretch>
             <a:fillRect/>
           </a:stretch>
@@ -11057,7 +12331,7 @@
           <p:nvPr/>
         </p:nvPicPr>
         <p:blipFill>
-          <a:blip r:embed="rId3"/>
+          <a:blip r:embed="rId4"/>
           <a:stretch>
             <a:fillRect/>
           </a:stretch>
@@ -11087,7 +12361,7 @@
           <p:nvPr/>
         </p:nvPicPr>
         <p:blipFill>
-          <a:blip r:embed="rId4"/>
+          <a:blip r:embed="rId5"/>
           <a:stretch>
             <a:fillRect/>
           </a:stretch>
@@ -11817,6 +13091,96 @@
           </a:p>
         </p:txBody>
       </p:sp>
+      <p:pic>
+        <p:nvPicPr>
+          <p:cNvPr id="5" name="Grafik 4">
+            <a:extLst>
+              <a:ext uri="{FF2B5EF4-FFF2-40B4-BE49-F238E27FC236}">
+                <a16:creationId xmlns:a16="http://schemas.microsoft.com/office/drawing/2014/main" id="{7C2F60AA-A499-0E1A-458D-106EE5F684A2}"/>
+              </a:ext>
+            </a:extLst>
+          </p:cNvPr>
+          <p:cNvPicPr>
+            <a:picLocks noChangeAspect="1"/>
+          </p:cNvPicPr>
+          <p:nvPr/>
+        </p:nvPicPr>
+        <p:blipFill>
+          <a:blip r:embed="rId2"/>
+          <a:stretch>
+            <a:fillRect/>
+          </a:stretch>
+        </p:blipFill>
+        <p:spPr>
+          <a:xfrm>
+            <a:off x="6051356" y="1174149"/>
+            <a:ext cx="4709854" cy="4509701"/>
+          </a:xfrm>
+          <a:prstGeom prst="rect">
+            <a:avLst/>
+          </a:prstGeom>
+        </p:spPr>
+      </p:pic>
+      <p:pic>
+        <p:nvPicPr>
+          <p:cNvPr id="7" name="Grafik 6">
+            <a:extLst>
+              <a:ext uri="{FF2B5EF4-FFF2-40B4-BE49-F238E27FC236}">
+                <a16:creationId xmlns:a16="http://schemas.microsoft.com/office/drawing/2014/main" id="{923EFE97-A78A-9AA7-1A1D-ECCD3A94A335}"/>
+              </a:ext>
+            </a:extLst>
+          </p:cNvPr>
+          <p:cNvPicPr>
+            <a:picLocks noChangeAspect="1"/>
+          </p:cNvPicPr>
+          <p:nvPr/>
+        </p:nvPicPr>
+        <p:blipFill>
+          <a:blip r:embed="rId3"/>
+          <a:stretch>
+            <a:fillRect/>
+          </a:stretch>
+        </p:blipFill>
+        <p:spPr>
+          <a:xfrm>
+            <a:off x="5178582" y="2142067"/>
+            <a:ext cx="6047987" cy="2213115"/>
+          </a:xfrm>
+          <a:prstGeom prst="rect">
+            <a:avLst/>
+          </a:prstGeom>
+        </p:spPr>
+      </p:pic>
+      <p:pic>
+        <p:nvPicPr>
+          <p:cNvPr id="9" name="Grafik 8">
+            <a:extLst>
+              <a:ext uri="{FF2B5EF4-FFF2-40B4-BE49-F238E27FC236}">
+                <a16:creationId xmlns:a16="http://schemas.microsoft.com/office/drawing/2014/main" id="{9684BF08-BBBF-DE55-B64A-BD402881D7C4}"/>
+              </a:ext>
+            </a:extLst>
+          </p:cNvPr>
+          <p:cNvPicPr>
+            <a:picLocks noChangeAspect="1"/>
+          </p:cNvPicPr>
+          <p:nvPr/>
+        </p:nvPicPr>
+        <p:blipFill>
+          <a:blip r:embed="rId4"/>
+          <a:stretch>
+            <a:fillRect/>
+          </a:stretch>
+        </p:blipFill>
+        <p:spPr>
+          <a:xfrm>
+            <a:off x="4861711" y="1189454"/>
+            <a:ext cx="7206693" cy="566000"/>
+          </a:xfrm>
+          <a:prstGeom prst="rect">
+            <a:avLst/>
+          </a:prstGeom>
+        </p:spPr>
+      </p:pic>
     </p:spTree>
     <p:extLst>
       <p:ext uri="{BB962C8B-B14F-4D97-AF65-F5344CB8AC3E}">
@@ -12087,6 +13451,87 @@
                                   </p:childTnLst>
                                 </p:cTn>
                               </p:par>
+                              <p:par>
+                                <p:cTn id="19" presetID="42" presetClass="entr" presetSubtype="0" fill="hold" nodeType="withEffect">
+                                  <p:stCondLst>
+                                    <p:cond delay="0"/>
+                                  </p:stCondLst>
+                                  <p:childTnLst>
+                                    <p:set>
+                                      <p:cBhvr>
+                                        <p:cTn id="20" dur="1" fill="hold">
+                                          <p:stCondLst>
+                                            <p:cond delay="0"/>
+                                          </p:stCondLst>
+                                        </p:cTn>
+                                        <p:tgtEl>
+                                          <p:spTgt spid="5"/>
+                                        </p:tgtEl>
+                                        <p:attrNameLst>
+                                          <p:attrName>style.visibility</p:attrName>
+                                        </p:attrNameLst>
+                                      </p:cBhvr>
+                                      <p:to>
+                                        <p:strVal val="visible"/>
+                                      </p:to>
+                                    </p:set>
+                                    <p:animEffect transition="in" filter="fade">
+                                      <p:cBhvr>
+                                        <p:cTn id="21" dur="1000"/>
+                                        <p:tgtEl>
+                                          <p:spTgt spid="5"/>
+                                        </p:tgtEl>
+                                      </p:cBhvr>
+                                    </p:animEffect>
+                                    <p:anim calcmode="lin" valueType="num">
+                                      <p:cBhvr>
+                                        <p:cTn id="22" dur="1000" fill="hold"/>
+                                        <p:tgtEl>
+                                          <p:spTgt spid="5"/>
+                                        </p:tgtEl>
+                                        <p:attrNameLst>
+                                          <p:attrName>ppt_x</p:attrName>
+                                        </p:attrNameLst>
+                                      </p:cBhvr>
+                                      <p:tavLst>
+                                        <p:tav tm="0">
+                                          <p:val>
+                                            <p:strVal val="#ppt_x"/>
+                                          </p:val>
+                                        </p:tav>
+                                        <p:tav tm="100000">
+                                          <p:val>
+                                            <p:strVal val="#ppt_x"/>
+                                          </p:val>
+                                        </p:tav>
+                                      </p:tavLst>
+                                    </p:anim>
+                                    <p:anim calcmode="lin" valueType="num">
+                                      <p:cBhvr>
+                                        <p:cTn id="23" dur="1000" fill="hold"/>
+                                        <p:tgtEl>
+                                          <p:spTgt spid="5"/>
+                                        </p:tgtEl>
+                                        <p:attrNameLst>
+                                          <p:attrName>ppt_y</p:attrName>
+                                        </p:attrNameLst>
+                                      </p:cBhvr>
+                                      <p:tavLst>
+                                        <p:tav tm="0">
+                                          <p:val>
+                                            <p:strVal val="#ppt_y+.1"/>
+                                          </p:val>
+                                        </p:tav>
+                                        <p:tav tm="100000">
+                                          <p:val>
+                                            <p:strVal val="#ppt_y"/>
+                                          </p:val>
+                                        </p:tav>
+                                      </p:tavLst>
+                                    </p:anim>
+                                  </p:childTnLst>
+                                </p:cTn>
+                              </p:par>
                             </p:childTnLst>
                           </p:cTn>
                         </p:par>
@@ -12094,26 +13539,26 @@
                     </p:cTn>
                   </p:par>
                   <p:par>
-                    <p:cTn id="19" fill="hold">
+                    <p:cTn id="24" fill="hold">
                       <p:stCondLst>
                         <p:cond delay="indefinite"/>
                       </p:stCondLst>
                       <p:childTnLst>
                         <p:par>
-                          <p:cTn id="20" fill="hold">
+                          <p:cTn id="25" fill="hold">
                             <p:stCondLst>
                               <p:cond delay="0"/>
                             </p:stCondLst>
                             <p:childTnLst>
                               <p:par>
-                                <p:cTn id="21" presetID="2" presetClass="exit" presetSubtype="2" fill="hold" grpId="1" nodeType="clickEffect">
+                                <p:cTn id="26" presetID="2" presetClass="exit" presetSubtype="2" fill="hold" grpId="1" nodeType="clickEffect">
                                   <p:stCondLst>
                                     <p:cond delay="0"/>
                                   </p:stCondLst>
                                   <p:childTnLst>
                                     <p:anim calcmode="lin" valueType="num">
                                       <p:cBhvr additive="base">
-                                        <p:cTn id="22" dur="500"/>
+                                        <p:cTn id="27" dur="500"/>
                                         <p:tgtEl>
                                           <p:spTgt spid="14"/>
                                         </p:tgtEl>
@@ -12136,7 +13581,7 @@
                                     </p:anim>
                                     <p:anim calcmode="lin" valueType="num">
                                       <p:cBhvr additive="base">
-                                        <p:cTn id="23" dur="500"/>
+                                        <p:cTn id="28" dur="500"/>
                                         <p:tgtEl>
                                           <p:spTgt spid="14"/>
                                         </p:tgtEl>
@@ -12159,7 +13604,7 @@
                                     </p:anim>
                                     <p:set>
                                       <p:cBhvr>
-                                        <p:cTn id="24" dur="1" fill="hold">
+                                        <p:cTn id="29" dur="1" fill="hold">
                                           <p:stCondLst>
                                             <p:cond delay="499"/>
                                           </p:stCondLst>
@@ -12179,14 +13624,87 @@
                                 </p:cTn>
                               </p:par>
                               <p:par>
-                                <p:cTn id="25" presetID="2" presetClass="entr" presetSubtype="4" fill="hold" grpId="0" nodeType="withEffect">
+                                <p:cTn id="30" presetID="2" presetClass="exit" presetSubtype="1" fill="hold" nodeType="withEffect">
+                                  <p:stCondLst>
+                                    <p:cond delay="0"/>
+                                  </p:stCondLst>
+                                  <p:childTnLst>
+                                    <p:anim calcmode="lin" valueType="num">
+                                      <p:cBhvr additive="base">
+                                        <p:cTn id="31" dur="500"/>
+                                        <p:tgtEl>
+                                          <p:spTgt spid="5"/>
+                                        </p:tgtEl>
+                                        <p:attrNameLst>
+                                          <p:attrName>ppt_x</p:attrName>
+                                        </p:attrNameLst>
+                                      </p:cBhvr>
+                                      <p:tavLst>
+                                        <p:tav tm="0">
+                                          <p:val>
+                                            <p:strVal val="ppt_x"/>
+                                          </p:val>
+                                        </p:tav>
+                                        <p:tav tm="100000">
+                                          <p:val>
+                                            <p:strVal val="ppt_x"/>
+                                          </p:val>
+                                        </p:tav>
+                                      </p:tavLst>
+                                    </p:anim>
+                                    <p:anim calcmode="lin" valueType="num">
+                                      <p:cBhvr additive="base">
+                                        <p:cTn id="32" dur="500"/>
+                                        <p:tgtEl>
+                                          <p:spTgt spid="5"/>
+                                        </p:tgtEl>
+                                        <p:attrNameLst>
+                                          <p:attrName>ppt_y</p:attrName>
+                                        </p:attrNameLst>
+                                      </p:cBhvr>
+                                      <p:tavLst>
+                                        <p:tav tm="0">
+                                          <p:val>
+                                            <p:strVal val="ppt_y"/>
+                                          </p:val>
+                                        </p:tav>
+                                        <p:tav tm="100000">
+                                          <p:val>
+                                            <p:strVal val="0-ppt_h/2"/>
+                                          </p:val>
+                                        </p:tav>
+                                      </p:tavLst>
+                                    </p:anim>
+                                    <p:set>
+                                      <p:cBhvr>
+                                        <p:cTn id="33" dur="1" fill="hold">
+                                          <p:stCondLst>
+                                            <p:cond delay="499"/>
+                                          </p:stCondLst>
+                                        </p:cTn>
+                                        <p:tgtEl>
+                                          <p:spTgt spid="5"/>
+                                        </p:tgtEl>
+                                        <p:attrNameLst>
+                                          <p:attrName>style.visibility</p:attrName>
+                                        </p:attrNameLst>
+                                      </p:cBhvr>
+                                      <p:to>
+                                        <p:strVal val="hidden"/>
+                                      </p:to>
+                                    </p:set>
+                                  </p:childTnLst>
+                                </p:cTn>
+                              </p:par>
+                              <p:par>
+                                <p:cTn id="34" presetID="2" presetClass="entr" presetSubtype="4" fill="hold" grpId="0" nodeType="withEffect">
                                   <p:stCondLst>
                                     <p:cond delay="0"/>
                                   </p:stCondLst>
                                   <p:childTnLst>
                                     <p:set>
                                       <p:cBhvr>
-                                        <p:cTn id="26" dur="1" fill="hold">
+                                        <p:cTn id="35" dur="1" fill="hold">
                                           <p:stCondLst>
                                             <p:cond delay="0"/>
                                           </p:stCondLst>
@@ -12204,7 +13722,7 @@
                                     </p:set>
                                     <p:anim calcmode="lin" valueType="num">
                                       <p:cBhvr additive="base">
-                                        <p:cTn id="27" dur="500" fill="hold"/>
+                                        <p:cTn id="36" dur="500" fill="hold"/>
                                         <p:tgtEl>
                                           <p:spTgt spid="16"/>
                                         </p:tgtEl>
@@ -12227,7 +13745,7 @@
                                     </p:anim>
                                     <p:anim calcmode="lin" valueType="num">
                                       <p:cBhvr additive="base">
-                                        <p:cTn id="28" dur="500" fill="hold"/>
+                                        <p:cTn id="37" dur="500" fill="hold"/>
                                         <p:tgtEl>
                                           <p:spTgt spid="16"/>
                                         </p:tgtEl>
@@ -12251,6 +13769,87 @@
                                   </p:childTnLst>
                                 </p:cTn>
                               </p:par>
+                              <p:par>
+                                <p:cTn id="38" presetID="42" presetClass="entr" presetSubtype="0" fill="hold" nodeType="withEffect">
+                                  <p:stCondLst>
+                                    <p:cond delay="0"/>
+                                  </p:stCondLst>
+                                  <p:childTnLst>
+                                    <p:set>
+                                      <p:cBhvr>
+                                        <p:cTn id="39" dur="1" fill="hold">
+                                          <p:stCondLst>
+                                            <p:cond delay="0"/>
+                                          </p:stCondLst>
+                                        </p:cTn>
+                                        <p:tgtEl>
+                                          <p:spTgt spid="7"/>
+                                        </p:tgtEl>
+                                        <p:attrNameLst>
+                                          <p:attrName>style.visibility</p:attrName>
+                                        </p:attrNameLst>
+                                      </p:cBhvr>
+                                      <p:to>
+                                        <p:strVal val="visible"/>
+                                      </p:to>
+                                    </p:set>
+                                    <p:animEffect transition="in" filter="fade">
+                                      <p:cBhvr>
+                                        <p:cTn id="40" dur="1000"/>
+                                        <p:tgtEl>
+                                          <p:spTgt spid="7"/>
+                                        </p:tgtEl>
+                                      </p:cBhvr>
+                                    </p:animEffect>
+                                    <p:anim calcmode="lin" valueType="num">
+                                      <p:cBhvr>
+                                        <p:cTn id="41" dur="1000" fill="hold"/>
+                                        <p:tgtEl>
+                                          <p:spTgt spid="7"/>
+                                        </p:tgtEl>
+                                        <p:attrNameLst>
+                                          <p:attrName>ppt_x</p:attrName>
+                                        </p:attrNameLst>
+                                      </p:cBhvr>
+                                      <p:tavLst>
+                                        <p:tav tm="0">
+                                          <p:val>
+                                            <p:strVal val="#ppt_x"/>
+                                          </p:val>
+                                        </p:tav>
+                                        <p:tav tm="100000">
+                                          <p:val>
+                                            <p:strVal val="#ppt_x"/>
+                                          </p:val>
+                                        </p:tav>
+                                      </p:tavLst>
+                                    </p:anim>
+                                    <p:anim calcmode="lin" valueType="num">
+                                      <p:cBhvr>
+                                        <p:cTn id="42" dur="1000" fill="hold"/>
+                                        <p:tgtEl>
+                                          <p:spTgt spid="7"/>
+                                        </p:tgtEl>
+                                        <p:attrNameLst>
+                                          <p:attrName>ppt_y</p:attrName>
+                                        </p:attrNameLst>
+                                      </p:cBhvr>
+                                      <p:tavLst>
+                                        <p:tav tm="0">
+                                          <p:val>
+                                            <p:strVal val="#ppt_y+.1"/>
+                                          </p:val>
+                                        </p:tav>
+                                        <p:tav tm="100000">
+                                          <p:val>
+                                            <p:strVal val="#ppt_y"/>
+                                          </p:val>
+                                        </p:tav>
+                                      </p:tavLst>
+                                    </p:anim>
+                                  </p:childTnLst>
+                                </p:cTn>
+                              </p:par>
                             </p:childTnLst>
                           </p:cTn>
                         </p:par>
@@ -12258,26 +13857,26 @@
                     </p:cTn>
                   </p:par>
                   <p:par>
-                    <p:cTn id="29" fill="hold">
+                    <p:cTn id="43" fill="hold">
                       <p:stCondLst>
                         <p:cond delay="indefinite"/>
                       </p:stCondLst>
                       <p:childTnLst>
                         <p:par>
-                          <p:cTn id="30" fill="hold">
+                          <p:cTn id="44" fill="hold">
                             <p:stCondLst>
                               <p:cond delay="0"/>
                             </p:stCondLst>
                             <p:childTnLst>
                               <p:par>
-                                <p:cTn id="31" presetID="2" presetClass="exit" presetSubtype="2" fill="hold" grpId="1" nodeType="clickEffect">
+                                <p:cTn id="45" presetID="2" presetClass="exit" presetSubtype="2" fill="hold" grpId="1" nodeType="clickEffect">
                                   <p:stCondLst>
                                     <p:cond delay="0"/>
                                   </p:stCondLst>
                                   <p:childTnLst>
                                     <p:anim calcmode="lin" valueType="num">
                                       <p:cBhvr additive="base">
-                                        <p:cTn id="32" dur="500"/>
+                                        <p:cTn id="46" dur="500"/>
                                         <p:tgtEl>
                                           <p:spTgt spid="16"/>
                                         </p:tgtEl>
@@ -12300,7 +13899,7 @@
                                     </p:anim>
                                     <p:anim calcmode="lin" valueType="num">
                                       <p:cBhvr additive="base">
-                                        <p:cTn id="33" dur="500"/>
+                                        <p:cTn id="47" dur="500"/>
                                         <p:tgtEl>
                                           <p:spTgt spid="16"/>
                                         </p:tgtEl>
@@ -12323,7 +13922,7 @@
                                     </p:anim>
                                     <p:set>
                                       <p:cBhvr>
-                                        <p:cTn id="34" dur="1" fill="hold">
+                                        <p:cTn id="48" dur="1" fill="hold">
                                           <p:stCondLst>
                                             <p:cond delay="499"/>
                                           </p:stCondLst>
@@ -12343,14 +13942,87 @@
                                 </p:cTn>
                               </p:par>
                               <p:par>
-                                <p:cTn id="35" presetID="2" presetClass="entr" presetSubtype="4" fill="hold" grpId="0" nodeType="withEffect">
+                                <p:cTn id="49" presetID="2" presetClass="exit" presetSubtype="1" fill="hold" nodeType="withEffect">
+                                  <p:stCondLst>
+                                    <p:cond delay="0"/>
+                                  </p:stCondLst>
+                                  <p:childTnLst>
+                                    <p:anim calcmode="lin" valueType="num">
+                                      <p:cBhvr additive="base">
+                                        <p:cTn id="50" dur="500"/>
+                                        <p:tgtEl>
+                                          <p:spTgt spid="7"/>
+                                        </p:tgtEl>
+                                        <p:attrNameLst>
+                                          <p:attrName>ppt_x</p:attrName>
+                                        </p:attrNameLst>
+                                      </p:cBhvr>
+                                      <p:tavLst>
+                                        <p:tav tm="0">
+                                          <p:val>
+                                            <p:strVal val="ppt_x"/>
+                                          </p:val>
+                                        </p:tav>
+                                        <p:tav tm="100000">
+                                          <p:val>
+                                            <p:strVal val="ppt_x"/>
+                                          </p:val>
+                                        </p:tav>
+                                      </p:tavLst>
+                                    </p:anim>
+                                    <p:anim calcmode="lin" valueType="num">
+                                      <p:cBhvr additive="base">
+                                        <p:cTn id="51" dur="500"/>
+                                        <p:tgtEl>
+                                          <p:spTgt spid="7"/>
+                                        </p:tgtEl>
+                                        <p:attrNameLst>
+                                          <p:attrName>ppt_y</p:attrName>
+                                        </p:attrNameLst>
+                                      </p:cBhvr>
+                                      <p:tavLst>
+                                        <p:tav tm="0">
+                                          <p:val>
+                                            <p:strVal val="ppt_y"/>
+                                          </p:val>
+                                        </p:tav>
+                                        <p:tav tm="100000">
+                                          <p:val>
+                                            <p:strVal val="0-ppt_h/2"/>
+                                          </p:val>
+                                        </p:tav>
+                                      </p:tavLst>
+                                    </p:anim>
+                                    <p:set>
+                                      <p:cBhvr>
+                                        <p:cTn id="52" dur="1" fill="hold">
+                                          <p:stCondLst>
+                                            <p:cond delay="499"/>
+                                          </p:stCondLst>
+                                        </p:cTn>
+                                        <p:tgtEl>
+                                          <p:spTgt spid="7"/>
+                                        </p:tgtEl>
+                                        <p:attrNameLst>
+                                          <p:attrName>style.visibility</p:attrName>
+                                        </p:attrNameLst>
+                                      </p:cBhvr>
+                                      <p:to>
+                                        <p:strVal val="hidden"/>
+                                      </p:to>
+                                    </p:set>
+                                  </p:childTnLst>
+                                </p:cTn>
+                              </p:par>
+                              <p:par>
+                                <p:cTn id="53" presetID="2" presetClass="entr" presetSubtype="4" fill="hold" grpId="0" nodeType="withEffect">
                                   <p:stCondLst>
                                     <p:cond delay="0"/>
                                   </p:stCondLst>
                                   <p:childTnLst>
                                     <p:set>
                                       <p:cBhvr>
-                                        <p:cTn id="36" dur="1" fill="hold">
+                                        <p:cTn id="54" dur="1" fill="hold">
                                           <p:stCondLst>
                                             <p:cond delay="0"/>
                                           </p:stCondLst>
@@ -12368,7 +14040,7 @@
                                     </p:set>
                                     <p:anim calcmode="lin" valueType="num">
                                       <p:cBhvr additive="base">
-                                        <p:cTn id="37" dur="500" fill="hold"/>
+                                        <p:cTn id="55" dur="500" fill="hold"/>
                                         <p:tgtEl>
                                           <p:spTgt spid="20"/>
                                         </p:tgtEl>
@@ -12391,7 +14063,7 @@
                                     </p:anim>
                                     <p:anim calcmode="lin" valueType="num">
                                       <p:cBhvr additive="base">
-                                        <p:cTn id="38" dur="500" fill="hold"/>
+                                        <p:cTn id="56" dur="500" fill="hold"/>
                                         <p:tgtEl>
                                           <p:spTgt spid="20"/>
                                         </p:tgtEl>
@@ -12403,6 +14075,87 @@
                                         <p:tav tm="0">
                                           <p:val>
                                             <p:strVal val="1+#ppt_h/2"/>
+                                          </p:val>
+                                        </p:tav>
+                                        <p:tav tm="100000">
+                                          <p:val>
+                                            <p:strVal val="#ppt_y"/>
+                                          </p:val>
+                                        </p:tav>
+                                      </p:tavLst>
+                                    </p:anim>
+                                  </p:childTnLst>
+                                </p:cTn>
+                              </p:par>
+                              <p:par>
+                                <p:cTn id="57" presetID="42" presetClass="entr" presetSubtype="0" fill="hold" nodeType="withEffect">
+                                  <p:stCondLst>
+                                    <p:cond delay="0"/>
+                                  </p:stCondLst>
+                                  <p:childTnLst>
+                                    <p:set>
+                                      <p:cBhvr>
+                                        <p:cTn id="58" dur="1" fill="hold">
+                                          <p:stCondLst>
+                                            <p:cond delay="0"/>
+                                          </p:stCondLst>
+                                        </p:cTn>
+                                        <p:tgtEl>
+                                          <p:spTgt spid="9"/>
+                                        </p:tgtEl>
+                                        <p:attrNameLst>
+                                          <p:attrName>style.visibility</p:attrName>
+                                        </p:attrNameLst>
+                                      </p:cBhvr>
+                                      <p:to>
+                                        <p:strVal val="visible"/>
+                                      </p:to>
+                                    </p:set>
+                                    <p:animEffect transition="in" filter="fade">
+                                      <p:cBhvr>
+                                        <p:cTn id="59" dur="1000"/>
+                                        <p:tgtEl>
+                                          <p:spTgt spid="9"/>
+                                        </p:tgtEl>
+                                      </p:cBhvr>
+                                    </p:animEffect>
+                                    <p:anim calcmode="lin" valueType="num">
+                                      <p:cBhvr>
+                                        <p:cTn id="60" dur="1000" fill="hold"/>
+                                        <p:tgtEl>
+                                          <p:spTgt spid="9"/>
+                                        </p:tgtEl>
+                                        <p:attrNameLst>
+                                          <p:attrName>ppt_x</p:attrName>
+                                        </p:attrNameLst>
+                                      </p:cBhvr>
+                                      <p:tavLst>
+                                        <p:tav tm="0">
+                                          <p:val>
+                                            <p:strVal val="#ppt_x"/>
+                                          </p:val>
+                                        </p:tav>
+                                        <p:tav tm="100000">
+                                          <p:val>
+                                            <p:strVal val="#ppt_x"/>
+                                          </p:val>
+                                        </p:tav>
+                                      </p:tavLst>
+                                    </p:anim>
+                                    <p:anim calcmode="lin" valueType="num">
+                                      <p:cBhvr>
+                                        <p:cTn id="61" dur="1000" fill="hold"/>
+                                        <p:tgtEl>
+                                          <p:spTgt spid="9"/>
+                                        </p:tgtEl>
+                                        <p:attrNameLst>
+                                          <p:attrName>ppt_y</p:attrName>
+                                        </p:attrNameLst>
+                                      </p:cBhvr>
+                                      <p:tavLst>
+                                        <p:tav tm="0">
+                                          <p:val>
+                                            <p:strVal val="#ppt_y+.1"/>
                                           </p:val>
                                         </p:tav>
                                         <p:tav tm="100000">
@@ -12871,32 +14624,7 @@
             </a:pPr>
             <a:r>
               <a:rPr lang="de-DE" sz="800" dirty="0"/>
-              <a:t>            </a:t>
-            </a:r>
-            <a:r>
-              <a:rPr lang="de-DE" sz="800" dirty="0" err="1"/>
-              <a:t>Console.WriteLine</a:t>
-            </a:r>
-            <a:r>
-              <a:rPr lang="de-DE" sz="800" dirty="0"/>
-              <a:t>("Wo ist dieser SHIT=?? " +</a:t>
-            </a:r>
-            <a:r>
-              <a:rPr lang="de-DE" sz="800" dirty="0" err="1"/>
-              <a:t>data.luftfeuchte</a:t>
-            </a:r>
-            <a:r>
-              <a:rPr lang="de-DE" sz="800" dirty="0"/>
-              <a:t>);</a:t>
-            </a:r>
-          </a:p>
-          <a:p>
-            <a:pPr marL="0" indent="0">
-              <a:buNone/>
-            </a:pPr>
-            <a:r>
-              <a:rPr lang="de-DE" sz="800" dirty="0"/>
-              <a:t>            // Aktualisiere oder erstelle </a:t>
+              <a:t>// Aktualisiere oder erstelle </a:t>
             </a:r>
             <a:r>
               <a:rPr lang="de-DE" sz="800" dirty="0" err="1"/>
@@ -12985,6 +14713,12 @@
               <a:rPr lang="de-DE" sz="800" dirty="0"/>
               <a:t>&gt;()</a:t>
             </a:r>
+          </a:p>
+          <a:p>
+            <a:pPr marL="0" indent="0">
+              <a:buNone/>
+            </a:pPr>
+            <a:endParaRPr lang="de-DE" sz="800" dirty="0"/>
           </a:p>
           <a:p>
             <a:pPr marL="0" indent="0">
@@ -14409,4 +16143,319 @@
     </a:ext>
   </a:extLst>
 </a:theme>
+</file>
+
+<file path=ppt/theme/theme2.xml><?xml version="1.0" encoding="utf-8"?>
+<a:theme xmlns:a="http://schemas.openxmlformats.org/drawingml/2006/main" name="Office">
+  <a:themeElements>
+    <a:clrScheme name="Office">
+      <a:dk1>
+        <a:sysClr val="windowText" lastClr="000000"/>
+      </a:dk1>
+      <a:lt1>
+        <a:sysClr val="window" lastClr="FFFFFF"/>
+      </a:lt1>
+      <a:dk2>
+        <a:srgbClr val="0E2841"/>
+      </a:dk2>
+      <a:lt2>
+        <a:srgbClr val="E8E8E8"/>
+      </a:lt2>
+      <a:accent1>
+        <a:srgbClr val="156082"/>
+      </a:accent1>
+      <a:accent2>
+        <a:srgbClr val="E97132"/>
+      </a:accent2>
+      <a:accent3>
+        <a:srgbClr val="196B24"/>
+      </a:accent3>
+      <a:accent4>
+        <a:srgbClr val="0F9ED5"/>
+      </a:accent4>
+      <a:accent5>
+        <a:srgbClr val="A02B93"/>
+      </a:accent5>
+      <a:accent6>
+        <a:srgbClr val="4EA72E"/>
+      </a:accent6>
+      <a:hlink>
+        <a:srgbClr val="467886"/>
+      </a:hlink>
+      <a:folHlink>
+        <a:srgbClr val="96607D"/>
+      </a:folHlink>
+    </a:clrScheme>
+    <a:fontScheme name="Office">
+      <a:majorFont>
+        <a:latin typeface="Aptos Display" panose="02110004020202020204"/>
+        <a:ea typeface=""/>
+        <a:cs typeface=""/>
+        <a:font script="Jpan" typeface="游ゴシック Light"/>
+        <a:font script="Hang" typeface="맑은 고딕"/>
+        <a:font script="Hans" typeface="等线 Light"/>
+        <a:font script="Hant" typeface="新細明體"/>
+        <a:font script="Arab" typeface="Times New Roman"/>
+        <a:font script="Hebr" typeface="Times New Roman"/>
+        <a:font script="Thai" typeface="Angsana New"/>
+        <a:font script="Ethi" typeface="Nyala"/>
+        <a:font script="Beng" typeface="Vrinda"/>
+        <a:font script="Gujr" typeface="Shruti"/>
+        <a:font script="Khmr" typeface="MoolBoran"/>
+        <a:font script="Knda" typeface="Tunga"/>
+        <a:font script="Guru" typeface="Raavi"/>
+        <a:font script="Cans" typeface="Euphemia"/>
+        <a:font script="Cher" typeface="Plantagenet Cherokee"/>
+        <a:font script="Yiii" typeface="Microsoft Yi Baiti"/>
+        <a:font script="Tibt" typeface="Microsoft Himalaya"/>
+        <a:font script="Thaa" typeface="MV Boli"/>
+        <a:font script="Deva" typeface="Mangal"/>
+        <a:font script="Telu" typeface="Gautami"/>
+        <a:font script="Taml" typeface="Latha"/>
+        <a:font script="Syrc" typeface="Estrangelo Edessa"/>
+        <a:font script="Orya" typeface="Kalinga"/>
+        <a:font script="Mlym" typeface="Kartika"/>
+        <a:font script="Laoo" typeface="DokChampa"/>
+        <a:font script="Sinh" typeface="Iskoola Pota"/>
+        <a:font script="Mong" typeface="Mongolian Baiti"/>
+        <a:font script="Viet" typeface="Times New Roman"/>
+        <a:font script="Uigh" typeface="Microsoft Uighur"/>
+        <a:font script="Geor" typeface="Sylfaen"/>
+        <a:font script="Armn" typeface="Arial"/>
+        <a:font script="Bugi" typeface="Leelawadee UI"/>
+        <a:font script="Bopo" typeface="Microsoft JhengHei"/>
+        <a:font script="Java" typeface="Javanese Text"/>
+        <a:font script="Lisu" typeface="Segoe UI"/>
+        <a:font script="Mymr" typeface="Myanmar Text"/>
+        <a:font script="Nkoo" typeface="Ebrima"/>
+        <a:font script="Olck" typeface="Nirmala UI"/>
+        <a:font script="Osma" typeface="Ebrima"/>
+        <a:font script="Phag" typeface="Phagspa"/>
+        <a:font script="Syrn" typeface="Estrangelo Edessa"/>
+        <a:font script="Syrj" typeface="Estrangelo Edessa"/>
+        <a:font script="Syre" typeface="Estrangelo Edessa"/>
+        <a:font script="Sora" typeface="Nirmala UI"/>
+        <a:font script="Tale" typeface="Microsoft Tai Le"/>
+        <a:font script="Talu" typeface="Microsoft New Tai Lue"/>
+        <a:font script="Tfng" typeface="Ebrima"/>
+      </a:majorFont>
+      <a:minorFont>
+        <a:latin typeface="Aptos" panose="02110004020202020204"/>
+        <a:ea typeface=""/>
+        <a:cs typeface=""/>
+        <a:font script="Jpan" typeface="游ゴシック"/>
+        <a:font script="Hang" typeface="맑은 고딕"/>
+        <a:font script="Hans" typeface="等线"/>
+        <a:font script="Hant" typeface="新細明體"/>
+        <a:font script="Arab" typeface="Arial"/>
+        <a:font script="Hebr" typeface="Arial"/>
+        <a:font script="Thai" typeface="Cordia New"/>
+        <a:font script="Ethi" typeface="Nyala"/>
+        <a:font script="Beng" typeface="Vrinda"/>
+        <a:font script="Gujr" typeface="Shruti"/>
+        <a:font script="Khmr" typeface="DaunPenh"/>
+        <a:font script="Knda" typeface="Tunga"/>
+        <a:font script="Guru" typeface="Raavi"/>
+        <a:font script="Cans" typeface="Euphemia"/>
+        <a:font script="Cher" typeface="Plantagenet Cherokee"/>
+        <a:font script="Yiii" typeface="Microsoft Yi Baiti"/>
+        <a:font script="Tibt" typeface="Microsoft Himalaya"/>
+        <a:font script="Thaa" typeface="MV Boli"/>
+        <a:font script="Deva" typeface="Mangal"/>
+        <a:font script="Telu" typeface="Gautami"/>
+        <a:font script="Taml" typeface="Latha"/>
+        <a:font script="Syrc" typeface="Estrangelo Edessa"/>
+        <a:font script="Orya" typeface="Kalinga"/>
+        <a:font script="Mlym" typeface="Kartika"/>
+        <a:font script="Laoo" typeface="DokChampa"/>
+        <a:font script="Sinh" typeface="Iskoola Pota"/>
+        <a:font script="Mong" typeface="Mongolian Baiti"/>
+        <a:font script="Viet" typeface="Arial"/>
+        <a:font script="Uigh" typeface="Microsoft Uighur"/>
+        <a:font script="Geor" typeface="Sylfaen"/>
+        <a:font script="Armn" typeface="Arial"/>
+        <a:font script="Bugi" typeface="Leelawadee UI"/>
+        <a:font script="Bopo" typeface="Microsoft JhengHei"/>
+        <a:font script="Java" typeface="Javanese Text"/>
+        <a:font script="Lisu" typeface="Segoe UI"/>
+        <a:font script="Mymr" typeface="Myanmar Text"/>
+        <a:font script="Nkoo" typeface="Ebrima"/>
+        <a:font script="Olck" typeface="Nirmala UI"/>
+        <a:font script="Osma" typeface="Ebrima"/>
+        <a:font script="Phag" typeface="Phagspa"/>
+        <a:font script="Syrn" typeface="Estrangelo Edessa"/>
+        <a:font script="Syrj" typeface="Estrangelo Edessa"/>
+        <a:font script="Syre" typeface="Estrangelo Edessa"/>
+        <a:font script="Sora" typeface="Nirmala UI"/>
+        <a:font script="Tale" typeface="Microsoft Tai Le"/>
+        <a:font script="Talu" typeface="Microsoft New Tai Lue"/>
+        <a:font script="Tfng" typeface="Ebrima"/>
+      </a:minorFont>
+    </a:fontScheme>
+    <a:fmtScheme name="Office">
+      <a:fillStyleLst>
+        <a:solidFill>
+          <a:schemeClr val="phClr"/>
+        </a:solidFill>
+        <a:gradFill rotWithShape="1">
+          <a:gsLst>
+            <a:gs pos="0">
+              <a:schemeClr val="phClr">
+                <a:lumMod val="110000"/>
+                <a:satMod val="105000"/>
+                <a:tint val="67000"/>
+              </a:schemeClr>
+            </a:gs>
+            <a:gs pos="50000">
+              <a:schemeClr val="phClr">
+                <a:lumMod val="105000"/>
+                <a:satMod val="103000"/>
+                <a:tint val="73000"/>
+              </a:schemeClr>
+            </a:gs>
+            <a:gs pos="100000">
+              <a:schemeClr val="phClr">
+                <a:lumMod val="105000"/>
+                <a:satMod val="109000"/>
+                <a:tint val="81000"/>
+              </a:schemeClr>
+            </a:gs>
+          </a:gsLst>
+          <a:lin ang="5400000" scaled="0"/>
+        </a:gradFill>
+        <a:gradFill rotWithShape="1">
+          <a:gsLst>
+            <a:gs pos="0">
+              <a:schemeClr val="phClr">
+                <a:satMod val="103000"/>
+                <a:lumMod val="102000"/>
+                <a:tint val="94000"/>
+              </a:schemeClr>
+            </a:gs>
+            <a:gs pos="50000">
+              <a:schemeClr val="phClr">
+                <a:satMod val="110000"/>
+                <a:lumMod val="100000"/>
+                <a:shade val="100000"/>
+              </a:schemeClr>
+            </a:gs>
+            <a:gs pos="100000">
+              <a:schemeClr val="phClr">
+                <a:lumMod val="99000"/>
+                <a:satMod val="120000"/>
+                <a:shade val="78000"/>
+              </a:schemeClr>
+            </a:gs>
+          </a:gsLst>
+          <a:lin ang="5400000" scaled="0"/>
+        </a:gradFill>
+      </a:fillStyleLst>
+      <a:lnStyleLst>
+        <a:ln w="12700" cap="flat" cmpd="sng" algn="ctr">
+          <a:solidFill>
+            <a:schemeClr val="phClr"/>
+          </a:solidFill>
+          <a:prstDash val="solid"/>
+          <a:miter lim="800000"/>
+        </a:ln>
+        <a:ln w="19050" cap="flat" cmpd="sng" algn="ctr">
+          <a:solidFill>
+            <a:schemeClr val="phClr"/>
+          </a:solidFill>
+          <a:prstDash val="solid"/>
+          <a:miter lim="800000"/>
+        </a:ln>
+        <a:ln w="25400" cap="flat" cmpd="sng" algn="ctr">
+          <a:solidFill>
+            <a:schemeClr val="phClr"/>
+          </a:solidFill>
+          <a:prstDash val="solid"/>
+          <a:miter lim="800000"/>
+        </a:ln>
+      </a:lnStyleLst>
+      <a:effectStyleLst>
+        <a:effectStyle>
+          <a:effectLst/>
+        </a:effectStyle>
+        <a:effectStyle>
+          <a:effectLst/>
+        </a:effectStyle>
+        <a:effectStyle>
+          <a:effectLst>
+            <a:outerShdw blurRad="57150" dist="19050" dir="5400000" algn="ctr" rotWithShape="0">
+              <a:srgbClr val="000000">
+                <a:alpha val="63000"/>
+              </a:srgbClr>
+            </a:outerShdw>
+          </a:effectLst>
+        </a:effectStyle>
+      </a:effectStyleLst>
+      <a:bgFillStyleLst>
+        <a:solidFill>
+          <a:schemeClr val="phClr"/>
+        </a:solidFill>
+        <a:solidFill>
+          <a:schemeClr val="phClr">
+            <a:tint val="95000"/>
+            <a:satMod val="170000"/>
+          </a:schemeClr>
+        </a:solidFill>
+        <a:gradFill rotWithShape="1">
+          <a:gsLst>
+            <a:gs pos="0">
+              <a:schemeClr val="phClr">
+                <a:tint val="93000"/>
+                <a:satMod val="150000"/>
+                <a:shade val="98000"/>
+                <a:lumMod val="102000"/>
+              </a:schemeClr>
+            </a:gs>
+            <a:gs pos="50000">
+              <a:schemeClr val="phClr">
+                <a:tint val="98000"/>
+                <a:satMod val="130000"/>
+                <a:shade val="90000"/>
+                <a:lumMod val="103000"/>
+              </a:schemeClr>
+            </a:gs>
+            <a:gs pos="100000">
+              <a:schemeClr val="phClr">
+                <a:shade val="63000"/>
+                <a:satMod val="120000"/>
+              </a:schemeClr>
+            </a:gs>
+          </a:gsLst>
+          <a:lin ang="5400000" scaled="0"/>
+        </a:gradFill>
+      </a:bgFillStyleLst>
+    </a:fmtScheme>
+  </a:themeElements>
+  <a:objectDefaults>
+    <a:lnDef>
+      <a:spPr/>
+      <a:bodyPr/>
+      <a:lstStyle/>
+      <a:style>
+        <a:lnRef idx="2">
+          <a:schemeClr val="accent1"/>
+        </a:lnRef>
+        <a:fillRef idx="0">
+          <a:schemeClr val="accent1"/>
+        </a:fillRef>
+        <a:effectRef idx="1">
+          <a:schemeClr val="accent1"/>
+        </a:effectRef>
+        <a:fontRef idx="minor">
+          <a:schemeClr val="tx1"/>
+        </a:fontRef>
+      </a:style>
+    </a:lnDef>
+  </a:objectDefaults>
+  <a:extraClrSchemeLst/>
+  <a:extLst>
+    <a:ext uri="{05A4C25C-085E-4340-85A3-A5531E510DB2}">
+      <thm15:themeFamily xmlns:thm15="http://schemas.microsoft.com/office/thememl/2012/main" name="Office Theme" id="{2E142A2C-CD16-42D6-873A-C26D2A0506FA}" vid="{1BDDFF52-6CD6-40A5-AB3C-68EB2F1E4D0A}"/>
+    </a:ext>
+  </a:extLst>
+</a:theme>
 </file>